--- a/PROJECT/Database-Documentation/MyBANK BANKING APPLICARTION.pptx
+++ b/PROJECT/Database-Documentation/MyBANK BANKING APPLICARTION.pptx
@@ -5,18 +5,21 @@
     <p:sldMasterId id="2147483648" r:id="rId4"/>
   </p:sldMasterIdLst>
   <p:notesMasterIdLst>
-    <p:notesMasterId r:id="rId11"/>
+    <p:notesMasterId r:id="rId14"/>
   </p:notesMasterIdLst>
   <p:handoutMasterIdLst>
-    <p:handoutMasterId r:id="rId12"/>
+    <p:handoutMasterId r:id="rId15"/>
   </p:handoutMasterIdLst>
   <p:sldIdLst>
     <p:sldId id="256" r:id="rId5"/>
     <p:sldId id="277" r:id="rId6"/>
     <p:sldId id="290" r:id="rId7"/>
-    <p:sldId id="268" r:id="rId8"/>
-    <p:sldId id="292" r:id="rId9"/>
-    <p:sldId id="276" r:id="rId10"/>
+    <p:sldId id="293" r:id="rId8"/>
+    <p:sldId id="294" r:id="rId9"/>
+    <p:sldId id="268" r:id="rId10"/>
+    <p:sldId id="292" r:id="rId11"/>
+    <p:sldId id="276" r:id="rId12"/>
+    <p:sldId id="295" r:id="rId13"/>
   </p:sldIdLst>
   <p:sldSz cx="12192000" cy="6858000"/>
   <p:notesSz cx="6858000" cy="9144000"/>
@@ -248,7 +251,7 @@
           <a:p>
             <a:fld id="{058ABBF3-49A8-4B3F-9773-22E67695BB12}" type="datetimeFigureOut">
               <a:rPr lang="en-US" smtClean="0"/>
-              <a:t>4/7/2024</a:t>
+              <a:t>4/8/2024</a:t>
             </a:fld>
             <a:endParaRPr lang="en-US" dirty="0"/>
           </a:p>
@@ -425,7 +428,7 @@
           <a:p>
             <a:fld id="{F44AAC2B-A50D-4386-849A-6B59FB991B4C}" type="datetimeFigureOut">
               <a:rPr lang="en-US" smtClean="0"/>
-              <a:t>4/7/2024</a:t>
+              <a:t>4/8/2024</a:t>
             </a:fld>
             <a:endParaRPr lang="en-US" dirty="0"/>
           </a:p>
@@ -1009,7 +1012,7 @@
           <a:p>
             <a:fld id="{10895658-EA1F-4910-80AB-4DA76E167475}" type="slidenum">
               <a:rPr lang="en-US" smtClean="0"/>
-              <a:t>4</a:t>
+              <a:t>6</a:t>
             </a:fld>
             <a:endParaRPr lang="en-US" dirty="0"/>
           </a:p>
@@ -1093,7 +1096,7 @@
           <a:p>
             <a:fld id="{10895658-EA1F-4910-80AB-4DA76E167475}" type="slidenum">
               <a:rPr lang="en-US" smtClean="0"/>
-              <a:t>5</a:t>
+              <a:t>7</a:t>
             </a:fld>
             <a:endParaRPr lang="en-US" dirty="0"/>
           </a:p>
@@ -1177,7 +1180,7 @@
           <a:p>
             <a:fld id="{10895658-EA1F-4910-80AB-4DA76E167475}" type="slidenum">
               <a:rPr lang="en-US" smtClean="0"/>
-              <a:t>6</a:t>
+              <a:t>8</a:t>
             </a:fld>
             <a:endParaRPr lang="en-US" dirty="0"/>
           </a:p>
@@ -20365,12 +20368,8 @@
           <a:lstStyle/>
           <a:p>
             <a:r>
-              <a:rPr lang="en-US"/>
-              <a:t>My BANK </a:t>
-            </a:r>
-            <a:r>
               <a:rPr lang="en-US" dirty="0"/>
-              <a:t>BANKING APPLICARTION</a:t>
+              <a:t>My BANK BANKING APPLICATION</a:t>
             </a:r>
           </a:p>
         </p:txBody>
@@ -20409,7 +20408,7 @@
                   <a:schemeClr val="bg1"/>
                 </a:solidFill>
               </a:rPr>
-              <a:t>TEAM         :  FINANCE TITANCE</a:t>
+              <a:t>TEAM         :  FINANCE TITANS</a:t>
             </a:r>
           </a:p>
           <a:p>
@@ -20434,6 +20433,9 @@
   <p:clrMapOvr>
     <a:masterClrMapping/>
   </p:clrMapOvr>
+  <p:transition spd="slow">
+    <p:push dir="u"/>
+  </p:transition>
 </p:sld>
 </file>
 
@@ -20514,13 +20516,25 @@
         </p:spPr>
         <p:txBody>
           <a:bodyPr>
-            <a:normAutofit/>
+            <a:normAutofit fontScale="92500" lnSpcReduction="20000"/>
           </a:bodyPr>
           <a:lstStyle/>
           <a:p>
             <a:r>
               <a:rPr lang="en-US" dirty="0"/>
               <a:t>Introduction</a:t>
+            </a:r>
+          </a:p>
+          <a:p>
+            <a:r>
+              <a:rPr lang="en-US" dirty="0"/>
+              <a:t>Features</a:t>
+            </a:r>
+          </a:p>
+          <a:p>
+            <a:r>
+              <a:rPr lang="en-US" dirty="0"/>
+              <a:t>Architecture Diagram</a:t>
             </a:r>
           </a:p>
           <a:p>
@@ -20811,10 +20825,336 @@
   <p:clrMapOvr>
     <a:masterClrMapping/>
   </p:clrMapOvr>
+  <mc:AlternateContent xmlns:mc="http://schemas.openxmlformats.org/markup-compatibility/2006">
+    <mc:Choice xmlns:p14="http://schemas.microsoft.com/office/powerpoint/2010/main" Requires="p14">
+      <p:transition spd="slow" p14:dur="3400">
+        <p14:reveal/>
+      </p:transition>
+    </mc:Choice>
+    <mc:Fallback>
+      <p:transition spd="slow">
+        <p:fade/>
+      </p:transition>
+    </mc:Fallback>
+  </mc:AlternateContent>
 </p:sld>
 </file>
 
 <file path=ppt/slides/slide4.xml><?xml version="1.0" encoding="utf-8"?>
+<p:sld xmlns:a="http://schemas.openxmlformats.org/drawingml/2006/main" xmlns:r="http://schemas.openxmlformats.org/officeDocument/2006/relationships" xmlns:p="http://schemas.openxmlformats.org/presentationml/2006/main">
+  <p:cSld>
+    <p:spTree>
+      <p:nvGrpSpPr>
+        <p:cNvPr id="1" name=""/>
+        <p:cNvGrpSpPr/>
+        <p:nvPr/>
+      </p:nvGrpSpPr>
+      <p:grpSpPr>
+        <a:xfrm>
+          <a:off x="0" y="0"/>
+          <a:ext cx="0" cy="0"/>
+          <a:chOff x="0" y="0"/>
+          <a:chExt cx="0" cy="0"/>
+        </a:xfrm>
+      </p:grpSpPr>
+      <p:sp>
+        <p:nvSpPr>
+          <p:cNvPr id="2" name="Title 1">
+            <a:extLst>
+              <a:ext uri="{FF2B5EF4-FFF2-40B4-BE49-F238E27FC236}">
+                <a16:creationId xmlns:a16="http://schemas.microsoft.com/office/drawing/2014/main" id="{30ECC437-DEDC-45FB-FDA2-8C4FC1723382}"/>
+              </a:ext>
+            </a:extLst>
+          </p:cNvPr>
+          <p:cNvSpPr>
+            <a:spLocks noGrp="1"/>
+          </p:cNvSpPr>
+          <p:nvPr>
+            <p:ph type="title"/>
+          </p:nvPr>
+        </p:nvSpPr>
+        <p:spPr>
+          <a:xfrm>
+            <a:off x="3812332" y="477479"/>
+            <a:ext cx="7606895" cy="697011"/>
+          </a:xfrm>
+        </p:spPr>
+        <p:txBody>
+          <a:bodyPr/>
+          <a:lstStyle/>
+          <a:p>
+            <a:r>
+              <a:rPr lang="en-US" dirty="0"/>
+              <a:t>Features</a:t>
+            </a:r>
+          </a:p>
+        </p:txBody>
+      </p:sp>
+      <p:sp>
+        <p:nvSpPr>
+          <p:cNvPr id="4" name="Content Placeholder 3">
+            <a:extLst>
+              <a:ext uri="{FF2B5EF4-FFF2-40B4-BE49-F238E27FC236}">
+                <a16:creationId xmlns:a16="http://schemas.microsoft.com/office/drawing/2014/main" id="{D4F69D5D-CD6C-F37C-012A-67E358C87ABD}"/>
+              </a:ext>
+            </a:extLst>
+          </p:cNvPr>
+          <p:cNvSpPr>
+            <a:spLocks noGrp="1"/>
+          </p:cNvSpPr>
+          <p:nvPr>
+            <p:ph sz="half" idx="16"/>
+          </p:nvPr>
+        </p:nvSpPr>
+        <p:spPr>
+          <a:xfrm>
+            <a:off x="3803953" y="1548882"/>
+            <a:ext cx="7615274" cy="4688406"/>
+          </a:xfrm>
+        </p:spPr>
+        <p:txBody>
+          <a:bodyPr/>
+          <a:lstStyle/>
+          <a:p>
+            <a:pPr marL="0" indent="0" rtl="0">
+              <a:buNone/>
+            </a:pPr>
+            <a:r>
+              <a:rPr lang="en-US" b="1" dirty="0">
+                <a:effectLst/>
+              </a:rPr>
+              <a:t>Display Payee Details</a:t>
+            </a:r>
+          </a:p>
+          <a:p>
+            <a:pPr rtl="0"/>
+            <a:endParaRPr lang="en-US" dirty="0">
+              <a:effectLst/>
+            </a:endParaRPr>
+          </a:p>
+          <a:p>
+            <a:pPr algn="just" rtl="0">
+              <a:lnSpc>
+                <a:spcPct val="150000"/>
+              </a:lnSpc>
+            </a:pPr>
+            <a:r>
+              <a:rPr lang="en-US" b="1" dirty="0">
+                <a:effectLst/>
+              </a:rPr>
+              <a:t>Description</a:t>
+            </a:r>
+            <a:r>
+              <a:rPr lang="en-US" dirty="0">
+                <a:effectLst/>
+              </a:rPr>
+              <a:t>: Users have the ability to access payee details by entering their account number.</a:t>
+            </a:r>
+          </a:p>
+          <a:p>
+            <a:pPr algn="just" rtl="0"/>
+            <a:endParaRPr lang="en-US" dirty="0">
+              <a:effectLst/>
+            </a:endParaRPr>
+          </a:p>
+          <a:p>
+            <a:pPr algn="just" rtl="0">
+              <a:lnSpc>
+                <a:spcPct val="150000"/>
+              </a:lnSpc>
+            </a:pPr>
+            <a:r>
+              <a:rPr lang="en-US" b="1" dirty="0">
+                <a:effectLst/>
+              </a:rPr>
+              <a:t>Functionality</a:t>
+            </a:r>
+            <a:r>
+              <a:rPr lang="en-US" dirty="0">
+                <a:effectLst/>
+              </a:rPr>
+              <a:t>: Retrieves payee information from the system's database based on the provided account number. If the account number is not there it will display appropriate message.</a:t>
+            </a:r>
+          </a:p>
+          <a:p>
+            <a:pPr rtl="0"/>
+            <a:endParaRPr lang="en-US" dirty="0">
+              <a:effectLst/>
+            </a:endParaRPr>
+          </a:p>
+          <a:p>
+            <a:endParaRPr lang="en-US" dirty="0"/>
+          </a:p>
+        </p:txBody>
+      </p:sp>
+      <p:sp>
+        <p:nvSpPr>
+          <p:cNvPr id="5" name="Slide Number Placeholder 4">
+            <a:extLst>
+              <a:ext uri="{FF2B5EF4-FFF2-40B4-BE49-F238E27FC236}">
+                <a16:creationId xmlns:a16="http://schemas.microsoft.com/office/drawing/2014/main" id="{78512D7B-D82E-7C56-630B-65169A84D7A3}"/>
+              </a:ext>
+            </a:extLst>
+          </p:cNvPr>
+          <p:cNvSpPr>
+            <a:spLocks noGrp="1"/>
+          </p:cNvSpPr>
+          <p:nvPr>
+            <p:ph type="sldNum" sz="quarter" idx="12"/>
+          </p:nvPr>
+        </p:nvSpPr>
+        <p:spPr/>
+        <p:txBody>
+          <a:bodyPr/>
+          <a:lstStyle/>
+          <a:p>
+            <a:fld id="{B5CEABB6-07DC-46E8-9B57-56EC44A396E5}" type="slidenum">
+              <a:rPr lang="en-US" smtClean="0"/>
+              <a:pPr/>
+              <a:t>4</a:t>
+            </a:fld>
+            <a:endParaRPr lang="en-US" dirty="0"/>
+          </a:p>
+        </p:txBody>
+      </p:sp>
+    </p:spTree>
+    <p:extLst>
+      <p:ext uri="{BB962C8B-B14F-4D97-AF65-F5344CB8AC3E}">
+        <p14:creationId xmlns:p14="http://schemas.microsoft.com/office/powerpoint/2010/main" val="1273242261"/>
+      </p:ext>
+    </p:extLst>
+  </p:cSld>
+  <p:clrMapOvr>
+    <a:masterClrMapping/>
+  </p:clrMapOvr>
+</p:sld>
+</file>
+
+<file path=ppt/slides/slide5.xml><?xml version="1.0" encoding="utf-8"?>
+<p:sld xmlns:a="http://schemas.openxmlformats.org/drawingml/2006/main" xmlns:r="http://schemas.openxmlformats.org/officeDocument/2006/relationships" xmlns:p="http://schemas.openxmlformats.org/presentationml/2006/main">
+  <p:cSld>
+    <p:spTree>
+      <p:nvGrpSpPr>
+        <p:cNvPr id="1" name=""/>
+        <p:cNvGrpSpPr/>
+        <p:nvPr/>
+      </p:nvGrpSpPr>
+      <p:grpSpPr>
+        <a:xfrm>
+          <a:off x="0" y="0"/>
+          <a:ext cx="0" cy="0"/>
+          <a:chOff x="0" y="0"/>
+          <a:chExt cx="0" cy="0"/>
+        </a:xfrm>
+      </p:grpSpPr>
+      <p:sp>
+        <p:nvSpPr>
+          <p:cNvPr id="2" name="Title 1">
+            <a:extLst>
+              <a:ext uri="{FF2B5EF4-FFF2-40B4-BE49-F238E27FC236}">
+                <a16:creationId xmlns:a16="http://schemas.microsoft.com/office/drawing/2014/main" id="{C0314EB4-9498-E3AE-A7FF-4E10B78F1D76}"/>
+              </a:ext>
+            </a:extLst>
+          </p:cNvPr>
+          <p:cNvSpPr>
+            <a:spLocks noGrp="1"/>
+          </p:cNvSpPr>
+          <p:nvPr>
+            <p:ph type="title"/>
+          </p:nvPr>
+        </p:nvSpPr>
+        <p:spPr>
+          <a:xfrm>
+            <a:off x="2358700" y="302008"/>
+            <a:ext cx="7093209" cy="764857"/>
+          </a:xfrm>
+        </p:spPr>
+        <p:txBody>
+          <a:bodyPr>
+            <a:normAutofit fontScale="90000"/>
+          </a:bodyPr>
+          <a:lstStyle/>
+          <a:p>
+            <a:r>
+              <a:rPr lang="en-US" dirty="0"/>
+              <a:t>ARCHITECTURE DIAGRAM</a:t>
+            </a:r>
+          </a:p>
+        </p:txBody>
+      </p:sp>
+      <p:sp>
+        <p:nvSpPr>
+          <p:cNvPr id="4" name="Slide Number Placeholder 3">
+            <a:extLst>
+              <a:ext uri="{FF2B5EF4-FFF2-40B4-BE49-F238E27FC236}">
+                <a16:creationId xmlns:a16="http://schemas.microsoft.com/office/drawing/2014/main" id="{A8B97019-20B1-BDBF-2B36-604209444F03}"/>
+              </a:ext>
+            </a:extLst>
+          </p:cNvPr>
+          <p:cNvSpPr>
+            <a:spLocks noGrp="1"/>
+          </p:cNvSpPr>
+          <p:nvPr>
+            <p:ph type="sldNum" sz="quarter" idx="12"/>
+          </p:nvPr>
+        </p:nvSpPr>
+        <p:spPr/>
+        <p:txBody>
+          <a:bodyPr/>
+          <a:lstStyle/>
+          <a:p>
+            <a:fld id="{B5CEABB6-07DC-46E8-9B57-56EC44A396E5}" type="slidenum">
+              <a:rPr lang="en-US" smtClean="0"/>
+              <a:pPr/>
+              <a:t>5</a:t>
+            </a:fld>
+            <a:endParaRPr lang="en-US" dirty="0"/>
+          </a:p>
+        </p:txBody>
+      </p:sp>
+      <p:pic>
+        <p:nvPicPr>
+          <p:cNvPr id="22" name="Content Placeholder 21" descr="A diagram of a service&#10;&#10;Description automatically generated">
+            <a:extLst>
+              <a:ext uri="{FF2B5EF4-FFF2-40B4-BE49-F238E27FC236}">
+                <a16:creationId xmlns:a16="http://schemas.microsoft.com/office/drawing/2014/main" id="{BDE59E93-3701-E149-C8AC-65B83F993FA4}"/>
+              </a:ext>
+            </a:extLst>
+          </p:cNvPr>
+          <p:cNvPicPr>
+            <a:picLocks noGrp="1" noChangeAspect="1"/>
+          </p:cNvPicPr>
+          <p:nvPr>
+            <p:ph sz="half" idx="14"/>
+          </p:nvPr>
+        </p:nvPicPr>
+        <p:blipFill>
+          <a:blip r:embed="rId2"/>
+          <a:stretch>
+            <a:fillRect/>
+          </a:stretch>
+        </p:blipFill>
+        <p:spPr>
+          <a:xfrm>
+            <a:off x="4270342" y="1480009"/>
+            <a:ext cx="7503736" cy="4488992"/>
+          </a:xfrm>
+        </p:spPr>
+      </p:pic>
+    </p:spTree>
+    <p:extLst>
+      <p:ext uri="{BB962C8B-B14F-4D97-AF65-F5344CB8AC3E}">
+        <p14:creationId xmlns:p14="http://schemas.microsoft.com/office/powerpoint/2010/main" val="490159670"/>
+      </p:ext>
+    </p:extLst>
+  </p:cSld>
+  <p:clrMapOvr>
+    <a:masterClrMapping/>
+  </p:clrMapOvr>
+</p:sld>
+</file>
+
+<file path=ppt/slides/slide6.xml><?xml version="1.0" encoding="utf-8"?>
 <p:sld xmlns:a="http://schemas.openxmlformats.org/drawingml/2006/main" xmlns:r="http://schemas.openxmlformats.org/officeDocument/2006/relationships" xmlns:p="http://schemas.openxmlformats.org/presentationml/2006/main">
   <p:cSld>
     <p:spTree>
@@ -20888,7 +21228,7 @@
             <a:fld id="{B5CEABB6-07DC-46E8-9B57-56EC44A396E5}" type="slidenum">
               <a:rPr lang="en-US" smtClean="0"/>
               <a:pPr/>
-              <a:t>4</a:t>
+              <a:t>6</a:t>
             </a:fld>
             <a:endParaRPr lang="en-US" dirty="0"/>
           </a:p>
@@ -20936,7 +21276,7 @@
 </p:sld>
 </file>
 
-<file path=ppt/slides/slide5.xml><?xml version="1.0" encoding="utf-8"?>
+<file path=ppt/slides/slide7.xml><?xml version="1.0" encoding="utf-8"?>
 <p:sld xmlns:a="http://schemas.openxmlformats.org/drawingml/2006/main" xmlns:r="http://schemas.openxmlformats.org/officeDocument/2006/relationships" xmlns:p="http://schemas.openxmlformats.org/presentationml/2006/main">
   <p:cSld>
     <p:spTree>
@@ -21010,7 +21350,7 @@
             <a:fld id="{B5CEABB6-07DC-46E8-9B57-56EC44A396E5}" type="slidenum">
               <a:rPr lang="en-US" smtClean="0"/>
               <a:pPr/>
-              <a:t>5</a:t>
+              <a:t>7</a:t>
             </a:fld>
             <a:endParaRPr lang="en-US" dirty="0"/>
           </a:p>
@@ -21059,7 +21399,7 @@
 </p:sld>
 </file>
 
-<file path=ppt/slides/slide6.xml><?xml version="1.0" encoding="utf-8"?>
+<file path=ppt/slides/slide8.xml><?xml version="1.0" encoding="utf-8"?>
 <p:sld xmlns:a="http://schemas.openxmlformats.org/drawingml/2006/main" xmlns:r="http://schemas.openxmlformats.org/officeDocument/2006/relationships" xmlns:p="http://schemas.openxmlformats.org/presentationml/2006/main">
   <p:cSld>
     <p:spTree>
@@ -21188,6 +21528,99 @@
     <p:extLst>
       <p:ext uri="{BB962C8B-B14F-4D97-AF65-F5344CB8AC3E}">
         <p14:creationId xmlns:p14="http://schemas.microsoft.com/office/powerpoint/2010/main" val="2436493926"/>
+      </p:ext>
+    </p:extLst>
+  </p:cSld>
+  <p:clrMapOvr>
+    <a:masterClrMapping/>
+  </p:clrMapOvr>
+</p:sld>
+</file>
+
+<file path=ppt/slides/slide9.xml><?xml version="1.0" encoding="utf-8"?>
+<p:sld xmlns:a="http://schemas.openxmlformats.org/drawingml/2006/main" xmlns:r="http://schemas.openxmlformats.org/officeDocument/2006/relationships" xmlns:p="http://schemas.openxmlformats.org/presentationml/2006/main">
+  <p:cSld>
+    <p:spTree>
+      <p:nvGrpSpPr>
+        <p:cNvPr id="1" name=""/>
+        <p:cNvGrpSpPr/>
+        <p:nvPr/>
+      </p:nvGrpSpPr>
+      <p:grpSpPr>
+        <a:xfrm>
+          <a:off x="0" y="0"/>
+          <a:ext cx="0" cy="0"/>
+          <a:chOff x="0" y="0"/>
+          <a:chExt cx="0" cy="0"/>
+        </a:xfrm>
+      </p:grpSpPr>
+      <p:sp>
+        <p:nvSpPr>
+          <p:cNvPr id="2" name="Title 1">
+            <a:extLst>
+              <a:ext uri="{FF2B5EF4-FFF2-40B4-BE49-F238E27FC236}">
+                <a16:creationId xmlns:a16="http://schemas.microsoft.com/office/drawing/2014/main" id="{C7E638D6-977A-6D8E-2CD6-9B6C4C324D69}"/>
+              </a:ext>
+            </a:extLst>
+          </p:cNvPr>
+          <p:cNvSpPr>
+            <a:spLocks noGrp="1"/>
+          </p:cNvSpPr>
+          <p:nvPr>
+            <p:ph type="title"/>
+          </p:nvPr>
+        </p:nvSpPr>
+        <p:spPr>
+          <a:xfrm>
+            <a:off x="883299" y="3051483"/>
+            <a:ext cx="6589150" cy="914027"/>
+          </a:xfrm>
+        </p:spPr>
+        <p:txBody>
+          <a:bodyPr/>
+          <a:lstStyle/>
+          <a:p>
+            <a:r>
+              <a:rPr lang="en-US" dirty="0"/>
+              <a:t>           THANK YOU</a:t>
+            </a:r>
+          </a:p>
+        </p:txBody>
+      </p:sp>
+      <p:sp>
+        <p:nvSpPr>
+          <p:cNvPr id="3" name="Slide Number Placeholder 2">
+            <a:extLst>
+              <a:ext uri="{FF2B5EF4-FFF2-40B4-BE49-F238E27FC236}">
+                <a16:creationId xmlns:a16="http://schemas.microsoft.com/office/drawing/2014/main" id="{4F45881D-BC82-23B5-B043-401DB2559689}"/>
+              </a:ext>
+            </a:extLst>
+          </p:cNvPr>
+          <p:cNvSpPr>
+            <a:spLocks noGrp="1"/>
+          </p:cNvSpPr>
+          <p:nvPr>
+            <p:ph type="sldNum" sz="quarter" idx="12"/>
+          </p:nvPr>
+        </p:nvSpPr>
+        <p:spPr/>
+        <p:txBody>
+          <a:bodyPr/>
+          <a:lstStyle/>
+          <a:p>
+            <a:fld id="{B5CEABB6-07DC-46E8-9B57-56EC44A396E5}" type="slidenum">
+              <a:rPr lang="en-US" smtClean="0"/>
+              <a:pPr/>
+              <a:t>9</a:t>
+            </a:fld>
+            <a:endParaRPr lang="en-US" dirty="0"/>
+          </a:p>
+        </p:txBody>
+      </p:sp>
+    </p:spTree>
+    <p:extLst>
+      <p:ext uri="{BB962C8B-B14F-4D97-AF65-F5344CB8AC3E}">
+        <p14:creationId xmlns:p14="http://schemas.microsoft.com/office/powerpoint/2010/main" val="2217215347"/>
       </p:ext>
     </p:extLst>
   </p:cSld>

--- a/PROJECT/Database-Documentation/MyBANK BANKING APPLICARTION.pptx
+++ b/PROJECT/Database-Documentation/MyBANK BANKING APPLICARTION.pptx
@@ -5,10 +5,10 @@
     <p:sldMasterId id="2147483648" r:id="rId4"/>
   </p:sldMasterIdLst>
   <p:notesMasterIdLst>
-    <p:notesMasterId r:id="rId14"/>
+    <p:notesMasterId r:id="rId16"/>
   </p:notesMasterIdLst>
   <p:handoutMasterIdLst>
-    <p:handoutMasterId r:id="rId15"/>
+    <p:handoutMasterId r:id="rId17"/>
   </p:handoutMasterIdLst>
   <p:sldIdLst>
     <p:sldId id="256" r:id="rId5"/>
@@ -18,8 +18,10 @@
     <p:sldId id="294" r:id="rId9"/>
     <p:sldId id="268" r:id="rId10"/>
     <p:sldId id="292" r:id="rId11"/>
-    <p:sldId id="276" r:id="rId12"/>
-    <p:sldId id="295" r:id="rId13"/>
+    <p:sldId id="297" r:id="rId12"/>
+    <p:sldId id="296" r:id="rId13"/>
+    <p:sldId id="276" r:id="rId14"/>
+    <p:sldId id="295" r:id="rId15"/>
   </p:sldIdLst>
   <p:sldSz cx="12192000" cy="6858000"/>
   <p:notesSz cx="6858000" cy="9144000"/>
@@ -251,7 +253,7 @@
           <a:p>
             <a:fld id="{058ABBF3-49A8-4B3F-9773-22E67695BB12}" type="datetimeFigureOut">
               <a:rPr lang="en-US" smtClean="0"/>
-              <a:t>4/8/2024</a:t>
+              <a:t>4/14/2024</a:t>
             </a:fld>
             <a:endParaRPr lang="en-US" dirty="0"/>
           </a:p>
@@ -428,7 +430,7 @@
           <a:p>
             <a:fld id="{F44AAC2B-A50D-4386-849A-6B59FB991B4C}" type="datetimeFigureOut">
               <a:rPr lang="en-US" smtClean="0"/>
-              <a:t>4/8/2024</a:t>
+              <a:t>4/14/2024</a:t>
             </a:fld>
             <a:endParaRPr lang="en-US" dirty="0"/>
           </a:p>
@@ -1180,7 +1182,7 @@
           <a:p>
             <a:fld id="{10895658-EA1F-4910-80AB-4DA76E167475}" type="slidenum">
               <a:rPr lang="en-US" smtClean="0"/>
-              <a:t>8</a:t>
+              <a:t>10</a:t>
             </a:fld>
             <a:endParaRPr lang="en-US" dirty="0"/>
           </a:p>
@@ -20439,6 +20441,237 @@
 </p:sld>
 </file>
 
+<file path=ppt/slides/slide10.xml><?xml version="1.0" encoding="utf-8"?>
+<p:sld xmlns:a="http://schemas.openxmlformats.org/drawingml/2006/main" xmlns:r="http://schemas.openxmlformats.org/officeDocument/2006/relationships" xmlns:p="http://schemas.openxmlformats.org/presentationml/2006/main">
+  <p:cSld>
+    <p:spTree>
+      <p:nvGrpSpPr>
+        <p:cNvPr id="1" name=""/>
+        <p:cNvGrpSpPr/>
+        <p:nvPr/>
+      </p:nvGrpSpPr>
+      <p:grpSpPr>
+        <a:xfrm>
+          <a:off x="0" y="0"/>
+          <a:ext cx="0" cy="0"/>
+          <a:chOff x="0" y="0"/>
+          <a:chExt cx="0" cy="0"/>
+        </a:xfrm>
+      </p:grpSpPr>
+      <p:sp>
+        <p:nvSpPr>
+          <p:cNvPr id="2" name="Title 1">
+            <a:extLst>
+              <a:ext uri="{FF2B5EF4-FFF2-40B4-BE49-F238E27FC236}">
+                <a16:creationId xmlns:a16="http://schemas.microsoft.com/office/drawing/2014/main" id="{BCCAEE93-8585-46D4-A7EC-F184E317CB2E}"/>
+              </a:ext>
+            </a:extLst>
+          </p:cNvPr>
+          <p:cNvSpPr>
+            <a:spLocks noGrp="1"/>
+          </p:cNvSpPr>
+          <p:nvPr>
+            <p:ph type="ctrTitle"/>
+          </p:nvPr>
+        </p:nvSpPr>
+        <p:spPr>
+          <a:xfrm>
+            <a:off x="4130385" y="280336"/>
+            <a:ext cx="5528217" cy="859973"/>
+          </a:xfrm>
+        </p:spPr>
+        <p:txBody>
+          <a:bodyPr/>
+          <a:lstStyle/>
+          <a:p>
+            <a:r>
+              <a:rPr lang="en-US" dirty="0"/>
+              <a:t>              LINKS</a:t>
+            </a:r>
+          </a:p>
+        </p:txBody>
+      </p:sp>
+      <p:sp>
+        <p:nvSpPr>
+          <p:cNvPr id="3" name="Content Placeholder 2">
+            <a:extLst>
+              <a:ext uri="{FF2B5EF4-FFF2-40B4-BE49-F238E27FC236}">
+                <a16:creationId xmlns:a16="http://schemas.microsoft.com/office/drawing/2014/main" id="{24AFFC60-19C3-4901-93F7-7AAF4C09F8C6}"/>
+              </a:ext>
+            </a:extLst>
+          </p:cNvPr>
+          <p:cNvSpPr>
+            <a:spLocks noGrp="1"/>
+          </p:cNvSpPr>
+          <p:nvPr>
+            <p:ph type="subTitle" idx="1"/>
+          </p:nvPr>
+        </p:nvSpPr>
+        <p:spPr>
+          <a:xfrm>
+            <a:off x="4142954" y="1291472"/>
+            <a:ext cx="7574564" cy="3016577"/>
+          </a:xfrm>
+        </p:spPr>
+        <p:txBody>
+          <a:bodyPr bIns="0">
+            <a:normAutofit fontScale="92500" lnSpcReduction="10000"/>
+          </a:bodyPr>
+          <a:lstStyle/>
+          <a:p>
+            <a:r>
+              <a:rPr lang="en-US" b="1" dirty="0"/>
+              <a:t>Git Hub  :</a:t>
+            </a:r>
+            <a:r>
+              <a:rPr lang="en-US" dirty="0">
+                <a:hlinkClick r:id="rId3"/>
+              </a:rPr>
+              <a:t>https://github.com/Arundhathi-Nayak/DLTE-JAVA-FULL-STACK-ARUNDHATHI-NAYAK-2024/tree/master/PROJECT</a:t>
+            </a:r>
+            <a:endParaRPr lang="en-US" dirty="0"/>
+          </a:p>
+          <a:p>
+            <a:r>
+              <a:rPr lang="en-US" b="1" dirty="0"/>
+              <a:t>Jar Files : </a:t>
+            </a:r>
+          </a:p>
+          <a:p>
+            <a:r>
+              <a:rPr lang="en-US" b="1" dirty="0"/>
+              <a:t>         DAO  :  payment-0.0.1-SNAPSHOT.jar</a:t>
+            </a:r>
+          </a:p>
+          <a:p>
+            <a:r>
+              <a:rPr lang="en-US" b="1" dirty="0"/>
+              <a:t>         Web Service :  webservice-0.0.1-SNAPSHOT.war</a:t>
+            </a:r>
+          </a:p>
+          <a:p>
+            <a:r>
+              <a:rPr lang="en-US" b="1" dirty="0"/>
+              <a:t>  </a:t>
+            </a:r>
+          </a:p>
+          <a:p>
+            <a:endParaRPr lang="en-US" b="1" dirty="0"/>
+          </a:p>
+          <a:p>
+            <a:endParaRPr lang="en-US" dirty="0"/>
+          </a:p>
+          <a:p>
+            <a:endParaRPr lang="en-US" dirty="0"/>
+          </a:p>
+        </p:txBody>
+      </p:sp>
+    </p:spTree>
+    <p:extLst>
+      <p:ext uri="{BB962C8B-B14F-4D97-AF65-F5344CB8AC3E}">
+        <p14:creationId xmlns:p14="http://schemas.microsoft.com/office/powerpoint/2010/main" val="2436493926"/>
+      </p:ext>
+    </p:extLst>
+  </p:cSld>
+  <p:clrMapOvr>
+    <a:masterClrMapping/>
+  </p:clrMapOvr>
+</p:sld>
+</file>
+
+<file path=ppt/slides/slide11.xml><?xml version="1.0" encoding="utf-8"?>
+<p:sld xmlns:a="http://schemas.openxmlformats.org/drawingml/2006/main" xmlns:r="http://schemas.openxmlformats.org/officeDocument/2006/relationships" xmlns:p="http://schemas.openxmlformats.org/presentationml/2006/main">
+  <p:cSld>
+    <p:spTree>
+      <p:nvGrpSpPr>
+        <p:cNvPr id="1" name=""/>
+        <p:cNvGrpSpPr/>
+        <p:nvPr/>
+      </p:nvGrpSpPr>
+      <p:grpSpPr>
+        <a:xfrm>
+          <a:off x="0" y="0"/>
+          <a:ext cx="0" cy="0"/>
+          <a:chOff x="0" y="0"/>
+          <a:chExt cx="0" cy="0"/>
+        </a:xfrm>
+      </p:grpSpPr>
+      <p:sp>
+        <p:nvSpPr>
+          <p:cNvPr id="2" name="Title 1">
+            <a:extLst>
+              <a:ext uri="{FF2B5EF4-FFF2-40B4-BE49-F238E27FC236}">
+                <a16:creationId xmlns:a16="http://schemas.microsoft.com/office/drawing/2014/main" id="{C7E638D6-977A-6D8E-2CD6-9B6C4C324D69}"/>
+              </a:ext>
+            </a:extLst>
+          </p:cNvPr>
+          <p:cNvSpPr>
+            <a:spLocks noGrp="1"/>
+          </p:cNvSpPr>
+          <p:nvPr>
+            <p:ph type="title"/>
+          </p:nvPr>
+        </p:nvSpPr>
+        <p:spPr>
+          <a:xfrm>
+            <a:off x="883299" y="3051483"/>
+            <a:ext cx="6589150" cy="914027"/>
+          </a:xfrm>
+        </p:spPr>
+        <p:txBody>
+          <a:bodyPr/>
+          <a:lstStyle/>
+          <a:p>
+            <a:r>
+              <a:rPr lang="en-US" dirty="0"/>
+              <a:t>           THANK YOU</a:t>
+            </a:r>
+          </a:p>
+        </p:txBody>
+      </p:sp>
+      <p:sp>
+        <p:nvSpPr>
+          <p:cNvPr id="3" name="Slide Number Placeholder 2">
+            <a:extLst>
+              <a:ext uri="{FF2B5EF4-FFF2-40B4-BE49-F238E27FC236}">
+                <a16:creationId xmlns:a16="http://schemas.microsoft.com/office/drawing/2014/main" id="{4F45881D-BC82-23B5-B043-401DB2559689}"/>
+              </a:ext>
+            </a:extLst>
+          </p:cNvPr>
+          <p:cNvSpPr>
+            <a:spLocks noGrp="1"/>
+          </p:cNvSpPr>
+          <p:nvPr>
+            <p:ph type="sldNum" sz="quarter" idx="12"/>
+          </p:nvPr>
+        </p:nvSpPr>
+        <p:spPr/>
+        <p:txBody>
+          <a:bodyPr/>
+          <a:lstStyle/>
+          <a:p>
+            <a:fld id="{B5CEABB6-07DC-46E8-9B57-56EC44A396E5}" type="slidenum">
+              <a:rPr lang="en-US" smtClean="0"/>
+              <a:pPr/>
+              <a:t>11</a:t>
+            </a:fld>
+            <a:endParaRPr lang="en-US" dirty="0"/>
+          </a:p>
+        </p:txBody>
+      </p:sp>
+    </p:spTree>
+    <p:extLst>
+      <p:ext uri="{BB962C8B-B14F-4D97-AF65-F5344CB8AC3E}">
+        <p14:creationId xmlns:p14="http://schemas.microsoft.com/office/powerpoint/2010/main" val="2217215347"/>
+      </p:ext>
+    </p:extLst>
+  </p:cSld>
+  <p:clrMapOvr>
+    <a:masterClrMapping/>
+  </p:clrMapOvr>
+</p:sld>
+</file>
+
 <file path=ppt/slides/slide2.xml><?xml version="1.0" encoding="utf-8"?>
 <p:sld xmlns:a="http://schemas.openxmlformats.org/drawingml/2006/main" xmlns:r="http://schemas.openxmlformats.org/officeDocument/2006/relationships" xmlns:p="http://schemas.openxmlformats.org/presentationml/2006/main">
   <p:cSld>
@@ -20825,13 +21058,13 @@
   <p:clrMapOvr>
     <a:masterClrMapping/>
   </p:clrMapOvr>
-  <mc:AlternateContent xmlns:mc="http://schemas.openxmlformats.org/markup-compatibility/2006">
-    <mc:Choice xmlns:p14="http://schemas.microsoft.com/office/powerpoint/2010/main" Requires="p14">
+  <mc:AlternateContent xmlns:mc="http://schemas.openxmlformats.org/markup-compatibility/2006" xmlns:p14="http://schemas.microsoft.com/office/powerpoint/2010/main">
+    <mc:Choice Requires="p14">
       <p:transition spd="slow" p14:dur="3400">
         <p14:reveal/>
       </p:transition>
     </mc:Choice>
-    <mc:Fallback>
+    <mc:Fallback xmlns="">
       <p:transition spd="slow">
         <p:fade/>
       </p:transition>
@@ -21421,7 +21654,7 @@
           <p:cNvPr id="2" name="Title 1">
             <a:extLst>
               <a:ext uri="{FF2B5EF4-FFF2-40B4-BE49-F238E27FC236}">
-                <a16:creationId xmlns:a16="http://schemas.microsoft.com/office/drawing/2014/main" id="{BCCAEE93-8585-46D4-A7EC-F184E317CB2E}"/>
+                <a16:creationId xmlns:a16="http://schemas.microsoft.com/office/drawing/2014/main" id="{86C9AF16-2871-934C-D853-B12228F70869}"/>
               </a:ext>
             </a:extLst>
           </p:cNvPr>
@@ -21429,32 +21662,41 @@
             <a:spLocks noGrp="1"/>
           </p:cNvSpPr>
           <p:nvPr>
-            <p:ph type="ctrTitle"/>
+            <p:ph type="title"/>
           </p:nvPr>
         </p:nvSpPr>
         <p:spPr>
           <a:xfrm>
-            <a:off x="4130385" y="280336"/>
-            <a:ext cx="5528217" cy="859973"/>
+            <a:off x="4933950" y="429461"/>
+            <a:ext cx="6343650" cy="2668463"/>
           </a:xfrm>
         </p:spPr>
         <p:txBody>
-          <a:bodyPr/>
+          <a:bodyPr anchor="b">
+            <a:normAutofit/>
+          </a:bodyPr>
           <a:lstStyle/>
           <a:p>
             <a:r>
               <a:rPr lang="en-US" dirty="0"/>
-              <a:t>              LINKS</a:t>
+              <a:t>Second Module</a:t>
+            </a:r>
+            <a:br>
+              <a:rPr lang="en-US" dirty="0"/>
+            </a:br>
+            <a:r>
+              <a:rPr lang="en-US" dirty="0"/>
+              <a:t>(DELETE PAYEE)</a:t>
             </a:r>
           </a:p>
         </p:txBody>
       </p:sp>
       <p:sp>
         <p:nvSpPr>
-          <p:cNvPr id="3" name="Content Placeholder 2">
+          <p:cNvPr id="15" name="Content Placeholder 3">
             <a:extLst>
               <a:ext uri="{FF2B5EF4-FFF2-40B4-BE49-F238E27FC236}">
-                <a16:creationId xmlns:a16="http://schemas.microsoft.com/office/drawing/2014/main" id="{24AFFC60-19C3-4901-93F7-7AAF4C09F8C6}"/>
+                <a16:creationId xmlns:a16="http://schemas.microsoft.com/office/drawing/2014/main" id="{14EE8218-EDD5-E0EE-488A-DEE487A8B985}"/>
               </a:ext>
             </a:extLst>
           </p:cNvPr>
@@ -21462,72 +21704,117 @@
             <a:spLocks noGrp="1"/>
           </p:cNvSpPr>
           <p:nvPr>
-            <p:ph type="subTitle" idx="1"/>
+            <p:ph sz="half" idx="14"/>
           </p:nvPr>
         </p:nvSpPr>
         <p:spPr>
           <a:xfrm>
-            <a:off x="4142954" y="1291472"/>
-            <a:ext cx="7574564" cy="3016577"/>
+            <a:off x="4938712" y="3299953"/>
+            <a:ext cx="6338888" cy="2668463"/>
           </a:xfrm>
         </p:spPr>
         <p:txBody>
-          <a:bodyPr bIns="0">
-            <a:normAutofit fontScale="92500" lnSpcReduction="10000"/>
+          <a:bodyPr>
+            <a:normAutofit/>
           </a:bodyPr>
           <a:lstStyle/>
           <a:p>
+            <a:pPr marL="0" indent="0">
+              <a:lnSpc>
+                <a:spcPct val="140000"/>
+              </a:lnSpc>
+              <a:spcAft>
+                <a:spcPts val="600"/>
+              </a:spcAft>
+              <a:buNone/>
+            </a:pPr>
             <a:r>
-              <a:rPr lang="en-US" b="1" dirty="0"/>
-              <a:t>Git Hub  :</a:t>
-            </a:r>
-            <a:r>
-              <a:rPr lang="en-US" dirty="0">
-                <a:hlinkClick r:id="rId3"/>
-              </a:rPr>
-              <a:t>https://github.com/Arundhathi-Nayak/DLTE-JAVA-FULL-STACK-ARUNDHATHI-NAYAK-2024/tree/master/PROJECT</a:t>
-            </a:r>
-            <a:endParaRPr lang="en-US" dirty="0"/>
-          </a:p>
-          <a:p>
-            <a:r>
-              <a:rPr lang="en-US" b="1" dirty="0"/>
-              <a:t>Jar Files : </a:t>
+              <a:rPr lang="en-US" sz="2000"/>
+              <a:t>Entering the payee details which includes payee id, payee account number, sender account number and payee name.</a:t>
             </a:r>
           </a:p>
           <a:p>
+            <a:pPr marL="0" indent="0">
+              <a:lnSpc>
+                <a:spcPct val="140000"/>
+              </a:lnSpc>
+              <a:spcAft>
+                <a:spcPts val="600"/>
+              </a:spcAft>
+              <a:buNone/>
+            </a:pPr>
             <a:r>
-              <a:rPr lang="en-US" b="1" dirty="0"/>
-              <a:t>         DAO  :  payment-0.0.1-SNAPSHOT.jar</a:t>
+              <a:rPr lang="en-US" sz="2000"/>
+              <a:t>If the payee exists then delete payee.</a:t>
             </a:r>
           </a:p>
           <a:p>
+            <a:pPr marL="0" indent="0">
+              <a:lnSpc>
+                <a:spcPct val="140000"/>
+              </a:lnSpc>
+              <a:spcAft>
+                <a:spcPts val="600"/>
+              </a:spcAft>
+              <a:buNone/>
+            </a:pPr>
             <a:r>
-              <a:rPr lang="en-US" b="1" dirty="0"/>
-              <a:t>         Web Service :  webservice-0.0.1-SNAPSHOT.war</a:t>
+              <a:rPr lang="en-US" sz="2000"/>
+              <a:t>If payee not exists it display an appropriate message</a:t>
             </a:r>
           </a:p>
+        </p:txBody>
+      </p:sp>
+      <p:sp>
+        <p:nvSpPr>
+          <p:cNvPr id="5" name="Slide Number Placeholder 4">
+            <a:extLst>
+              <a:ext uri="{FF2B5EF4-FFF2-40B4-BE49-F238E27FC236}">
+                <a16:creationId xmlns:a16="http://schemas.microsoft.com/office/drawing/2014/main" id="{F2B3E39B-317E-D076-D35A-0C199E7E4A92}"/>
+              </a:ext>
+            </a:extLst>
+          </p:cNvPr>
+          <p:cNvSpPr>
+            <a:spLocks noGrp="1"/>
+          </p:cNvSpPr>
+          <p:nvPr>
+            <p:ph type="sldNum" sz="quarter" idx="12"/>
+          </p:nvPr>
+        </p:nvSpPr>
+        <p:spPr>
+          <a:xfrm>
+            <a:off x="10967357" y="6356350"/>
+            <a:ext cx="457200" cy="365125"/>
+          </a:xfrm>
+        </p:spPr>
+        <p:txBody>
+          <a:bodyPr anchor="ctr">
+            <a:normAutofit/>
+          </a:bodyPr>
+          <a:lstStyle/>
           <a:p>
-            <a:r>
-              <a:rPr lang="en-US" b="1" dirty="0"/>
-              <a:t>  </a:t>
-            </a:r>
-          </a:p>
-          <a:p>
-            <a:endParaRPr lang="en-US" b="1" dirty="0"/>
-          </a:p>
-          <a:p>
-            <a:endParaRPr lang="en-US" dirty="0"/>
-          </a:p>
-          <a:p>
-            <a:endParaRPr lang="en-US" dirty="0"/>
+            <a:pPr>
+              <a:spcAft>
+                <a:spcPts val="600"/>
+              </a:spcAft>
+            </a:pPr>
+            <a:fld id="{B5CEABB6-07DC-46E8-9B57-56EC44A396E5}" type="slidenum">
+              <a:rPr lang="en-US" smtClean="0"/>
+              <a:pPr>
+                <a:spcAft>
+                  <a:spcPts val="600"/>
+                </a:spcAft>
+              </a:pPr>
+              <a:t>8</a:t>
+            </a:fld>
+            <a:endParaRPr lang="en-US"/>
           </a:p>
         </p:txBody>
       </p:sp>
     </p:spTree>
     <p:extLst>
       <p:ext uri="{BB962C8B-B14F-4D97-AF65-F5344CB8AC3E}">
-        <p14:creationId xmlns:p14="http://schemas.microsoft.com/office/powerpoint/2010/main" val="2436493926"/>
+        <p14:creationId xmlns:p14="http://schemas.microsoft.com/office/powerpoint/2010/main" val="19314500"/>
       </p:ext>
     </p:extLst>
   </p:cSld>
@@ -21559,7 +21846,7 @@
           <p:cNvPr id="2" name="Title 1">
             <a:extLst>
               <a:ext uri="{FF2B5EF4-FFF2-40B4-BE49-F238E27FC236}">
-                <a16:creationId xmlns:a16="http://schemas.microsoft.com/office/drawing/2014/main" id="{C7E638D6-977A-6D8E-2CD6-9B6C4C324D69}"/>
+                <a16:creationId xmlns:a16="http://schemas.microsoft.com/office/drawing/2014/main" id="{DCA6883A-9455-E2AE-EFC9-F3F758EC1714}"/>
               </a:ext>
             </a:extLst>
           </p:cNvPr>
@@ -21572,27 +21859,36 @@
         </p:nvSpPr>
         <p:spPr>
           <a:xfrm>
-            <a:off x="883299" y="3051483"/>
-            <a:ext cx="6589150" cy="914027"/>
+            <a:off x="762001" y="896112"/>
+            <a:ext cx="6589150" cy="1988706"/>
           </a:xfrm>
         </p:spPr>
         <p:txBody>
-          <a:bodyPr/>
+          <a:bodyPr anchor="t">
+            <a:normAutofit/>
+          </a:bodyPr>
           <a:lstStyle/>
           <a:p>
             <a:r>
               <a:rPr lang="en-US" dirty="0"/>
-              <a:t>           THANK YOU</a:t>
+              <a:t>Module 2</a:t>
+            </a:r>
+            <a:br>
+              <a:rPr lang="en-US" dirty="0"/>
+            </a:br>
+            <a:r>
+              <a:rPr lang="en-US" dirty="0"/>
+              <a:t>DATAFLOW DIAGRAM</a:t>
             </a:r>
           </a:p>
         </p:txBody>
       </p:sp>
       <p:sp>
         <p:nvSpPr>
-          <p:cNvPr id="3" name="Slide Number Placeholder 2">
+          <p:cNvPr id="4" name="Slide Number Placeholder 3">
             <a:extLst>
               <a:ext uri="{FF2B5EF4-FFF2-40B4-BE49-F238E27FC236}">
-                <a16:creationId xmlns:a16="http://schemas.microsoft.com/office/drawing/2014/main" id="{4F45881D-BC82-23B5-B043-401DB2559689}"/>
+                <a16:creationId xmlns:a16="http://schemas.microsoft.com/office/drawing/2014/main" id="{329E2946-9268-6B9C-1F66-B4CC49D19518}"/>
               </a:ext>
             </a:extLst>
           </p:cNvPr>
@@ -21603,24 +21899,71 @@
             <p:ph type="sldNum" sz="quarter" idx="12"/>
           </p:nvPr>
         </p:nvSpPr>
-        <p:spPr/>
+        <p:spPr>
+          <a:xfrm>
+            <a:off x="11274091" y="6355080"/>
+            <a:ext cx="457200" cy="365125"/>
+          </a:xfrm>
+        </p:spPr>
         <p:txBody>
-          <a:bodyPr/>
+          <a:bodyPr anchor="ctr">
+            <a:normAutofit/>
+          </a:bodyPr>
           <a:lstStyle/>
           <a:p>
+            <a:pPr>
+              <a:spcAft>
+                <a:spcPts val="600"/>
+              </a:spcAft>
+            </a:pPr>
             <a:fld id="{B5CEABB6-07DC-46E8-9B57-56EC44A396E5}" type="slidenum">
               <a:rPr lang="en-US" smtClean="0"/>
-              <a:pPr/>
+              <a:pPr>
+                <a:spcAft>
+                  <a:spcPts val="600"/>
+                </a:spcAft>
+              </a:pPr>
               <a:t>9</a:t>
             </a:fld>
-            <a:endParaRPr lang="en-US" dirty="0"/>
+            <a:endParaRPr lang="en-US"/>
           </a:p>
         </p:txBody>
       </p:sp>
+      <p:pic>
+        <p:nvPicPr>
+          <p:cNvPr id="6" name="Picture 5" descr="A diagram of a flowchart&#10;&#10;Description automatically generated">
+            <a:extLst>
+              <a:ext uri="{FF2B5EF4-FFF2-40B4-BE49-F238E27FC236}">
+                <a16:creationId xmlns:a16="http://schemas.microsoft.com/office/drawing/2014/main" id="{CDEC12B1-34C5-9E0B-706C-35F6A38B1041}"/>
+              </a:ext>
+            </a:extLst>
+          </p:cNvPr>
+          <p:cNvPicPr>
+            <a:picLocks noChangeAspect="1"/>
+          </p:cNvPicPr>
+          <p:nvPr/>
+        </p:nvPicPr>
+        <p:blipFill>
+          <a:blip r:embed="rId2"/>
+          <a:stretch>
+            <a:fillRect/>
+          </a:stretch>
+        </p:blipFill>
+        <p:spPr>
+          <a:xfrm>
+            <a:off x="1852891" y="2371725"/>
+            <a:ext cx="4709833" cy="3983355"/>
+          </a:xfrm>
+          <a:prstGeom prst="rect">
+            <a:avLst/>
+          </a:prstGeom>
+          <a:noFill/>
+        </p:spPr>
+      </p:pic>
     </p:spTree>
     <p:extLst>
       <p:ext uri="{BB962C8B-B14F-4D97-AF65-F5344CB8AC3E}">
-        <p14:creationId xmlns:p14="http://schemas.microsoft.com/office/powerpoint/2010/main" val="2217215347"/>
+        <p14:creationId xmlns:p14="http://schemas.microsoft.com/office/powerpoint/2010/main" val="3383834304"/>
       </p:ext>
     </p:extLst>
   </p:cSld>
@@ -22422,15 +22765,6 @@
 </file>
 
 <file path=customXml/item1.xml><?xml version="1.0" encoding="utf-8"?>
-<?mso-contentType ?>
-<FormTemplates xmlns="http://schemas.microsoft.com/sharepoint/v3/contenttype/forms">
-  <Display>DocumentLibraryForm</Display>
-  <Edit>DocumentLibraryForm</Edit>
-  <New>DocumentLibraryForm</New>
-</FormTemplates>
-</file>
-
-<file path=customXml/item2.xml><?xml version="1.0" encoding="utf-8"?>
 <p:properties xmlns:p="http://schemas.microsoft.com/office/2006/metadata/properties" xmlns:xsi="http://www.w3.org/2001/XMLSchema-instance" xmlns:pc="http://schemas.microsoft.com/office/infopath/2007/PartnerControls">
   <documentManagement>
     <Background xmlns="71af3243-3dd4-4a8d-8c0d-dd76da1f02a5">false</Background>
@@ -22448,6 +22782,15 @@
     <MediaServiceKeyPoints xmlns="71af3243-3dd4-4a8d-8c0d-dd76da1f02a5" xsi:nil="true"/>
   </documentManagement>
 </p:properties>
+</file>
+
+<file path=customXml/item2.xml><?xml version="1.0" encoding="utf-8"?>
+<?mso-contentType ?>
+<FormTemplates xmlns="http://schemas.microsoft.com/sharepoint/v3/contenttype/forms">
+  <Display>DocumentLibraryForm</Display>
+  <Edit>DocumentLibraryForm</Edit>
+  <New>DocumentLibraryForm</New>
+</FormTemplates>
 </file>
 
 <file path=customXml/item3.xml><?xml version="1.0" encoding="utf-8"?>
@@ -22763,14 +23106,6 @@
 </file>
 
 <file path=customXml/itemProps1.xml><?xml version="1.0" encoding="utf-8"?>
-<ds:datastoreItem xmlns:ds="http://schemas.openxmlformats.org/officeDocument/2006/customXml" ds:itemID="{8451406B-581B-4C29-A833-E33D8A6AB075}">
-  <ds:schemaRefs>
-    <ds:schemaRef ds:uri="http://schemas.microsoft.com/sharepoint/v3/contenttype/forms"/>
-  </ds:schemaRefs>
-</ds:datastoreItem>
-</file>
-
-<file path=customXml/itemProps2.xml><?xml version="1.0" encoding="utf-8"?>
 <ds:datastoreItem xmlns:ds="http://schemas.openxmlformats.org/officeDocument/2006/customXml" ds:itemID="{0F65614A-92F9-4391-AC3D-F3F5B0704F99}">
   <ds:schemaRefs>
     <ds:schemaRef ds:uri="http://schemas.microsoft.com/office/2006/metadata/properties"/>
@@ -22778,6 +23113,14 @@
     <ds:schemaRef ds:uri="71af3243-3dd4-4a8d-8c0d-dd76da1f02a5"/>
     <ds:schemaRef ds:uri="http://schemas.microsoft.com/sharepoint/v3"/>
     <ds:schemaRef ds:uri="230e9df3-be65-4c73-a93b-d1236ebd677e"/>
+  </ds:schemaRefs>
+</ds:datastoreItem>
+</file>
+
+<file path=customXml/itemProps2.xml><?xml version="1.0" encoding="utf-8"?>
+<ds:datastoreItem xmlns:ds="http://schemas.openxmlformats.org/officeDocument/2006/customXml" ds:itemID="{8451406B-581B-4C29-A833-E33D8A6AB075}">
+  <ds:schemaRefs>
+    <ds:schemaRef ds:uri="http://schemas.microsoft.com/sharepoint/v3/contenttype/forms"/>
   </ds:schemaRefs>
 </ds:datastoreItem>
 </file>

--- a/PROJECT/Database-Documentation/MyBANK BANKING APPLICARTION.pptx
+++ b/PROJECT/Database-Documentation/MyBANK BANKING APPLICARTION.pptx
@@ -253,7 +253,7 @@
           <a:p>
             <a:fld id="{058ABBF3-49A8-4B3F-9773-22E67695BB12}" type="datetimeFigureOut">
               <a:rPr lang="en-US" smtClean="0"/>
-              <a:t>4/14/2024</a:t>
+              <a:t>4/15/2024</a:t>
             </a:fld>
             <a:endParaRPr lang="en-US" dirty="0"/>
           </a:p>
@@ -430,7 +430,7 @@
           <a:p>
             <a:fld id="{F44AAC2B-A50D-4386-849A-6B59FB991B4C}" type="datetimeFigureOut">
               <a:rPr lang="en-US" smtClean="0"/>
-              <a:t>4/14/2024</a:t>
+              <a:t>4/15/2024</a:t>
             </a:fld>
             <a:endParaRPr lang="en-US" dirty="0"/>
           </a:p>
@@ -21347,10 +21347,10 @@
       </p:sp>
       <p:pic>
         <p:nvPicPr>
-          <p:cNvPr id="22" name="Content Placeholder 21" descr="A diagram of a service&#10;&#10;Description automatically generated">
+          <p:cNvPr id="7" name="Content Placeholder 6" descr="A diagram of a software development process&#10;&#10;Description automatically generated">
             <a:extLst>
               <a:ext uri="{FF2B5EF4-FFF2-40B4-BE49-F238E27FC236}">
-                <a16:creationId xmlns:a16="http://schemas.microsoft.com/office/drawing/2014/main" id="{BDE59E93-3701-E149-C8AC-65B83F993FA4}"/>
+                <a16:creationId xmlns:a16="http://schemas.microsoft.com/office/drawing/2014/main" id="{3D9AB322-23A0-19D8-34EA-9E3D832247B2}"/>
               </a:ext>
             </a:extLst>
           </p:cNvPr>
@@ -21369,8 +21369,8 @@
         </p:blipFill>
         <p:spPr>
           <a:xfrm>
-            <a:off x="4270342" y="1480009"/>
-            <a:ext cx="7503736" cy="4488992"/>
+            <a:off x="4610100" y="1402080"/>
+            <a:ext cx="6880860" cy="4566921"/>
           </a:xfrm>
         </p:spPr>
       </p:pic>
@@ -22765,6 +22765,15 @@
 </file>
 
 <file path=customXml/item1.xml><?xml version="1.0" encoding="utf-8"?>
+<?mso-contentType ?>
+<FormTemplates xmlns="http://schemas.microsoft.com/sharepoint/v3/contenttype/forms">
+  <Display>DocumentLibraryForm</Display>
+  <Edit>DocumentLibraryForm</Edit>
+  <New>DocumentLibraryForm</New>
+</FormTemplates>
+</file>
+
+<file path=customXml/item2.xml><?xml version="1.0" encoding="utf-8"?>
 <p:properties xmlns:p="http://schemas.microsoft.com/office/2006/metadata/properties" xmlns:xsi="http://www.w3.org/2001/XMLSchema-instance" xmlns:pc="http://schemas.microsoft.com/office/infopath/2007/PartnerControls">
   <documentManagement>
     <Background xmlns="71af3243-3dd4-4a8d-8c0d-dd76da1f02a5">false</Background>
@@ -22782,15 +22791,6 @@
     <MediaServiceKeyPoints xmlns="71af3243-3dd4-4a8d-8c0d-dd76da1f02a5" xsi:nil="true"/>
   </documentManagement>
 </p:properties>
-</file>
-
-<file path=customXml/item2.xml><?xml version="1.0" encoding="utf-8"?>
-<?mso-contentType ?>
-<FormTemplates xmlns="http://schemas.microsoft.com/sharepoint/v3/contenttype/forms">
-  <Display>DocumentLibraryForm</Display>
-  <Edit>DocumentLibraryForm</Edit>
-  <New>DocumentLibraryForm</New>
-</FormTemplates>
 </file>
 
 <file path=customXml/item3.xml><?xml version="1.0" encoding="utf-8"?>
@@ -23106,6 +23106,14 @@
 </file>
 
 <file path=customXml/itemProps1.xml><?xml version="1.0" encoding="utf-8"?>
+<ds:datastoreItem xmlns:ds="http://schemas.openxmlformats.org/officeDocument/2006/customXml" ds:itemID="{8451406B-581B-4C29-A833-E33D8A6AB075}">
+  <ds:schemaRefs>
+    <ds:schemaRef ds:uri="http://schemas.microsoft.com/sharepoint/v3/contenttype/forms"/>
+  </ds:schemaRefs>
+</ds:datastoreItem>
+</file>
+
+<file path=customXml/itemProps2.xml><?xml version="1.0" encoding="utf-8"?>
 <ds:datastoreItem xmlns:ds="http://schemas.openxmlformats.org/officeDocument/2006/customXml" ds:itemID="{0F65614A-92F9-4391-AC3D-F3F5B0704F99}">
   <ds:schemaRefs>
     <ds:schemaRef ds:uri="http://schemas.microsoft.com/office/2006/metadata/properties"/>
@@ -23113,14 +23121,6 @@
     <ds:schemaRef ds:uri="71af3243-3dd4-4a8d-8c0d-dd76da1f02a5"/>
     <ds:schemaRef ds:uri="http://schemas.microsoft.com/sharepoint/v3"/>
     <ds:schemaRef ds:uri="230e9df3-be65-4c73-a93b-d1236ebd677e"/>
-  </ds:schemaRefs>
-</ds:datastoreItem>
-</file>
-
-<file path=customXml/itemProps2.xml><?xml version="1.0" encoding="utf-8"?>
-<ds:datastoreItem xmlns:ds="http://schemas.openxmlformats.org/officeDocument/2006/customXml" ds:itemID="{8451406B-581B-4C29-A833-E33D8A6AB075}">
-  <ds:schemaRefs>
-    <ds:schemaRef ds:uri="http://schemas.microsoft.com/sharepoint/v3/contenttype/forms"/>
   </ds:schemaRefs>
 </ds:datastoreItem>
 </file>

--- a/PROJECT/Database-Documentation/MyBANK BANKING APPLICARTION.pptx
+++ b/PROJECT/Database-Documentation/MyBANK BANKING APPLICARTION.pptx
@@ -5,23 +5,26 @@
     <p:sldMasterId id="2147483648" r:id="rId4"/>
   </p:sldMasterIdLst>
   <p:notesMasterIdLst>
-    <p:notesMasterId r:id="rId16"/>
+    <p:notesMasterId r:id="rId19"/>
   </p:notesMasterIdLst>
   <p:handoutMasterIdLst>
-    <p:handoutMasterId r:id="rId17"/>
+    <p:handoutMasterId r:id="rId20"/>
   </p:handoutMasterIdLst>
   <p:sldIdLst>
     <p:sldId id="256" r:id="rId5"/>
     <p:sldId id="277" r:id="rId6"/>
     <p:sldId id="290" r:id="rId7"/>
-    <p:sldId id="293" r:id="rId8"/>
-    <p:sldId id="294" r:id="rId9"/>
-    <p:sldId id="268" r:id="rId10"/>
-    <p:sldId id="292" r:id="rId11"/>
-    <p:sldId id="297" r:id="rId12"/>
-    <p:sldId id="296" r:id="rId13"/>
-    <p:sldId id="276" r:id="rId14"/>
-    <p:sldId id="295" r:id="rId15"/>
+    <p:sldId id="300" r:id="rId8"/>
+    <p:sldId id="293" r:id="rId9"/>
+    <p:sldId id="298" r:id="rId10"/>
+    <p:sldId id="299" r:id="rId11"/>
+    <p:sldId id="294" r:id="rId12"/>
+    <p:sldId id="268" r:id="rId13"/>
+    <p:sldId id="292" r:id="rId14"/>
+    <p:sldId id="297" r:id="rId15"/>
+    <p:sldId id="296" r:id="rId16"/>
+    <p:sldId id="276" r:id="rId17"/>
+    <p:sldId id="295" r:id="rId18"/>
   </p:sldIdLst>
   <p:sldSz cx="12192000" cy="6858000"/>
   <p:notesSz cx="6858000" cy="9144000"/>
@@ -253,7 +256,7 @@
           <a:p>
             <a:fld id="{058ABBF3-49A8-4B3F-9773-22E67695BB12}" type="datetimeFigureOut">
               <a:rPr lang="en-US" smtClean="0"/>
-              <a:t>4/15/2024</a:t>
+              <a:t>5/7/2024</a:t>
             </a:fld>
             <a:endParaRPr lang="en-US" dirty="0"/>
           </a:p>
@@ -430,7 +433,7 @@
           <a:p>
             <a:fld id="{F44AAC2B-A50D-4386-849A-6B59FB991B4C}" type="datetimeFigureOut">
               <a:rPr lang="en-US" smtClean="0"/>
-              <a:t>4/15/2024</a:t>
+              <a:t>5/7/2024</a:t>
             </a:fld>
             <a:endParaRPr lang="en-US" dirty="0"/>
           </a:p>
@@ -1014,7 +1017,7 @@
           <a:p>
             <a:fld id="{10895658-EA1F-4910-80AB-4DA76E167475}" type="slidenum">
               <a:rPr lang="en-US" smtClean="0"/>
-              <a:t>6</a:t>
+              <a:t>9</a:t>
             </a:fld>
             <a:endParaRPr lang="en-US" dirty="0"/>
           </a:p>
@@ -1098,7 +1101,7 @@
           <a:p>
             <a:fld id="{10895658-EA1F-4910-80AB-4DA76E167475}" type="slidenum">
               <a:rPr lang="en-US" smtClean="0"/>
-              <a:t>7</a:t>
+              <a:t>10</a:t>
             </a:fld>
             <a:endParaRPr lang="en-US" dirty="0"/>
           </a:p>
@@ -1182,7 +1185,7 @@
           <a:p>
             <a:fld id="{10895658-EA1F-4910-80AB-4DA76E167475}" type="slidenum">
               <a:rPr lang="en-US" smtClean="0"/>
-              <a:t>10</a:t>
+              <a:t>13</a:t>
             </a:fld>
             <a:endParaRPr lang="en-US" dirty="0"/>
           </a:p>
@@ -20463,6 +20466,470 @@
           <p:cNvPr id="2" name="Title 1">
             <a:extLst>
               <a:ext uri="{FF2B5EF4-FFF2-40B4-BE49-F238E27FC236}">
+                <a16:creationId xmlns:a16="http://schemas.microsoft.com/office/drawing/2014/main" id="{CC80C883-7528-F9C5-D6FA-15EC059A3021}"/>
+              </a:ext>
+            </a:extLst>
+          </p:cNvPr>
+          <p:cNvSpPr>
+            <a:spLocks noGrp="1"/>
+          </p:cNvSpPr>
+          <p:nvPr>
+            <p:ph type="title"/>
+          </p:nvPr>
+        </p:nvSpPr>
+        <p:spPr>
+          <a:xfrm>
+            <a:off x="757375" y="386145"/>
+            <a:ext cx="10668000" cy="751713"/>
+          </a:xfrm>
+        </p:spPr>
+        <p:txBody>
+          <a:bodyPr/>
+          <a:lstStyle/>
+          <a:p>
+            <a:r>
+              <a:rPr lang="en-US" dirty="0"/>
+              <a:t>DATAFLOW DIAGRAM​</a:t>
+            </a:r>
+          </a:p>
+        </p:txBody>
+      </p:sp>
+      <p:sp>
+        <p:nvSpPr>
+          <p:cNvPr id="3" name="Slide Number Placeholder 2">
+            <a:extLst>
+              <a:ext uri="{FF2B5EF4-FFF2-40B4-BE49-F238E27FC236}">
+                <a16:creationId xmlns:a16="http://schemas.microsoft.com/office/drawing/2014/main" id="{8D3FE259-B742-148B-88EA-EAE84226FE5A}"/>
+              </a:ext>
+            </a:extLst>
+          </p:cNvPr>
+          <p:cNvSpPr>
+            <a:spLocks noGrp="1"/>
+          </p:cNvSpPr>
+          <p:nvPr>
+            <p:ph type="sldNum" sz="quarter" idx="12"/>
+          </p:nvPr>
+        </p:nvSpPr>
+        <p:spPr/>
+        <p:txBody>
+          <a:bodyPr/>
+          <a:lstStyle/>
+          <a:p>
+            <a:fld id="{B5CEABB6-07DC-46E8-9B57-56EC44A396E5}" type="slidenum">
+              <a:rPr lang="en-US" smtClean="0"/>
+              <a:pPr/>
+              <a:t>10</a:t>
+            </a:fld>
+            <a:endParaRPr lang="en-US" dirty="0"/>
+          </a:p>
+        </p:txBody>
+      </p:sp>
+      <p:pic>
+        <p:nvPicPr>
+          <p:cNvPr id="11" name="Picture 10" descr="A diagram of a number">
+            <a:extLst>
+              <a:ext uri="{FF2B5EF4-FFF2-40B4-BE49-F238E27FC236}">
+                <a16:creationId xmlns:a16="http://schemas.microsoft.com/office/drawing/2014/main" id="{6D8D168F-2AA1-A1B8-EA89-9B9567C65D73}"/>
+              </a:ext>
+            </a:extLst>
+          </p:cNvPr>
+          <p:cNvPicPr>
+            <a:picLocks noChangeAspect="1"/>
+          </p:cNvPicPr>
+          <p:nvPr/>
+        </p:nvPicPr>
+        <p:blipFill>
+          <a:blip r:embed="rId3"/>
+          <a:stretch>
+            <a:fillRect/>
+          </a:stretch>
+        </p:blipFill>
+        <p:spPr>
+          <a:xfrm>
+            <a:off x="3019425" y="1599216"/>
+            <a:ext cx="5286375" cy="4582509"/>
+          </a:xfrm>
+          <a:prstGeom prst="rect">
+            <a:avLst/>
+          </a:prstGeom>
+        </p:spPr>
+      </p:pic>
+    </p:spTree>
+    <p:extLst>
+      <p:ext uri="{BB962C8B-B14F-4D97-AF65-F5344CB8AC3E}">
+        <p14:creationId xmlns:p14="http://schemas.microsoft.com/office/powerpoint/2010/main" val="2390678392"/>
+      </p:ext>
+    </p:extLst>
+  </p:cSld>
+  <p:clrMapOvr>
+    <a:masterClrMapping/>
+  </p:clrMapOvr>
+</p:sld>
+</file>
+
+<file path=ppt/slides/slide11.xml><?xml version="1.0" encoding="utf-8"?>
+<p:sld xmlns:a="http://schemas.openxmlformats.org/drawingml/2006/main" xmlns:r="http://schemas.openxmlformats.org/officeDocument/2006/relationships" xmlns:p="http://schemas.openxmlformats.org/presentationml/2006/main">
+  <p:cSld>
+    <p:spTree>
+      <p:nvGrpSpPr>
+        <p:cNvPr id="1" name=""/>
+        <p:cNvGrpSpPr/>
+        <p:nvPr/>
+      </p:nvGrpSpPr>
+      <p:grpSpPr>
+        <a:xfrm>
+          <a:off x="0" y="0"/>
+          <a:ext cx="0" cy="0"/>
+          <a:chOff x="0" y="0"/>
+          <a:chExt cx="0" cy="0"/>
+        </a:xfrm>
+      </p:grpSpPr>
+      <p:sp>
+        <p:nvSpPr>
+          <p:cNvPr id="2" name="Title 1">
+            <a:extLst>
+              <a:ext uri="{FF2B5EF4-FFF2-40B4-BE49-F238E27FC236}">
+                <a16:creationId xmlns:a16="http://schemas.microsoft.com/office/drawing/2014/main" id="{86C9AF16-2871-934C-D853-B12228F70869}"/>
+              </a:ext>
+            </a:extLst>
+          </p:cNvPr>
+          <p:cNvSpPr>
+            <a:spLocks noGrp="1"/>
+          </p:cNvSpPr>
+          <p:nvPr>
+            <p:ph type="title"/>
+          </p:nvPr>
+        </p:nvSpPr>
+        <p:spPr>
+          <a:xfrm>
+            <a:off x="4933950" y="429461"/>
+            <a:ext cx="6343650" cy="2668463"/>
+          </a:xfrm>
+        </p:spPr>
+        <p:txBody>
+          <a:bodyPr anchor="b">
+            <a:normAutofit/>
+          </a:bodyPr>
+          <a:lstStyle/>
+          <a:p>
+            <a:r>
+              <a:rPr lang="en-US" dirty="0"/>
+              <a:t>Second Module</a:t>
+            </a:r>
+            <a:br>
+              <a:rPr lang="en-US" dirty="0"/>
+            </a:br>
+            <a:r>
+              <a:rPr lang="en-US" dirty="0"/>
+              <a:t>(DELETE PAYEE)</a:t>
+            </a:r>
+          </a:p>
+        </p:txBody>
+      </p:sp>
+      <p:sp>
+        <p:nvSpPr>
+          <p:cNvPr id="15" name="Content Placeholder 3">
+            <a:extLst>
+              <a:ext uri="{FF2B5EF4-FFF2-40B4-BE49-F238E27FC236}">
+                <a16:creationId xmlns:a16="http://schemas.microsoft.com/office/drawing/2014/main" id="{14EE8218-EDD5-E0EE-488A-DEE487A8B985}"/>
+              </a:ext>
+            </a:extLst>
+          </p:cNvPr>
+          <p:cNvSpPr>
+            <a:spLocks noGrp="1"/>
+          </p:cNvSpPr>
+          <p:nvPr>
+            <p:ph sz="half" idx="14"/>
+          </p:nvPr>
+        </p:nvSpPr>
+        <p:spPr>
+          <a:xfrm>
+            <a:off x="4938712" y="3299953"/>
+            <a:ext cx="6338888" cy="2668463"/>
+          </a:xfrm>
+        </p:spPr>
+        <p:txBody>
+          <a:bodyPr>
+            <a:normAutofit/>
+          </a:bodyPr>
+          <a:lstStyle/>
+          <a:p>
+            <a:pPr marL="0" indent="0">
+              <a:lnSpc>
+                <a:spcPct val="140000"/>
+              </a:lnSpc>
+              <a:spcAft>
+                <a:spcPts val="600"/>
+              </a:spcAft>
+              <a:buNone/>
+            </a:pPr>
+            <a:r>
+              <a:rPr lang="en-US" sz="2000"/>
+              <a:t>Entering the payee details which includes payee id, payee account number, sender account number and payee name.</a:t>
+            </a:r>
+          </a:p>
+          <a:p>
+            <a:pPr marL="0" indent="0">
+              <a:lnSpc>
+                <a:spcPct val="140000"/>
+              </a:lnSpc>
+              <a:spcAft>
+                <a:spcPts val="600"/>
+              </a:spcAft>
+              <a:buNone/>
+            </a:pPr>
+            <a:r>
+              <a:rPr lang="en-US" sz="2000"/>
+              <a:t>If the payee exists then delete payee.</a:t>
+            </a:r>
+          </a:p>
+          <a:p>
+            <a:pPr marL="0" indent="0">
+              <a:lnSpc>
+                <a:spcPct val="140000"/>
+              </a:lnSpc>
+              <a:spcAft>
+                <a:spcPts val="600"/>
+              </a:spcAft>
+              <a:buNone/>
+            </a:pPr>
+            <a:r>
+              <a:rPr lang="en-US" sz="2000"/>
+              <a:t>If payee not exists it display an appropriate message</a:t>
+            </a:r>
+          </a:p>
+        </p:txBody>
+      </p:sp>
+      <p:sp>
+        <p:nvSpPr>
+          <p:cNvPr id="5" name="Slide Number Placeholder 4">
+            <a:extLst>
+              <a:ext uri="{FF2B5EF4-FFF2-40B4-BE49-F238E27FC236}">
+                <a16:creationId xmlns:a16="http://schemas.microsoft.com/office/drawing/2014/main" id="{F2B3E39B-317E-D076-D35A-0C199E7E4A92}"/>
+              </a:ext>
+            </a:extLst>
+          </p:cNvPr>
+          <p:cNvSpPr>
+            <a:spLocks noGrp="1"/>
+          </p:cNvSpPr>
+          <p:nvPr>
+            <p:ph type="sldNum" sz="quarter" idx="12"/>
+          </p:nvPr>
+        </p:nvSpPr>
+        <p:spPr>
+          <a:xfrm>
+            <a:off x="10967357" y="6356350"/>
+            <a:ext cx="457200" cy="365125"/>
+          </a:xfrm>
+        </p:spPr>
+        <p:txBody>
+          <a:bodyPr anchor="ctr">
+            <a:normAutofit/>
+          </a:bodyPr>
+          <a:lstStyle/>
+          <a:p>
+            <a:pPr>
+              <a:spcAft>
+                <a:spcPts val="600"/>
+              </a:spcAft>
+            </a:pPr>
+            <a:fld id="{B5CEABB6-07DC-46E8-9B57-56EC44A396E5}" type="slidenum">
+              <a:rPr lang="en-US" smtClean="0"/>
+              <a:pPr>
+                <a:spcAft>
+                  <a:spcPts val="600"/>
+                </a:spcAft>
+              </a:pPr>
+              <a:t>11</a:t>
+            </a:fld>
+            <a:endParaRPr lang="en-US"/>
+          </a:p>
+        </p:txBody>
+      </p:sp>
+    </p:spTree>
+    <p:extLst>
+      <p:ext uri="{BB962C8B-B14F-4D97-AF65-F5344CB8AC3E}">
+        <p14:creationId xmlns:p14="http://schemas.microsoft.com/office/powerpoint/2010/main" val="19314500"/>
+      </p:ext>
+    </p:extLst>
+  </p:cSld>
+  <p:clrMapOvr>
+    <a:masterClrMapping/>
+  </p:clrMapOvr>
+</p:sld>
+</file>
+
+<file path=ppt/slides/slide12.xml><?xml version="1.0" encoding="utf-8"?>
+<p:sld xmlns:a="http://schemas.openxmlformats.org/drawingml/2006/main" xmlns:r="http://schemas.openxmlformats.org/officeDocument/2006/relationships" xmlns:p="http://schemas.openxmlformats.org/presentationml/2006/main">
+  <p:cSld>
+    <p:spTree>
+      <p:nvGrpSpPr>
+        <p:cNvPr id="1" name=""/>
+        <p:cNvGrpSpPr/>
+        <p:nvPr/>
+      </p:nvGrpSpPr>
+      <p:grpSpPr>
+        <a:xfrm>
+          <a:off x="0" y="0"/>
+          <a:ext cx="0" cy="0"/>
+          <a:chOff x="0" y="0"/>
+          <a:chExt cx="0" cy="0"/>
+        </a:xfrm>
+      </p:grpSpPr>
+      <p:sp>
+        <p:nvSpPr>
+          <p:cNvPr id="2" name="Title 1">
+            <a:extLst>
+              <a:ext uri="{FF2B5EF4-FFF2-40B4-BE49-F238E27FC236}">
+                <a16:creationId xmlns:a16="http://schemas.microsoft.com/office/drawing/2014/main" id="{DCA6883A-9455-E2AE-EFC9-F3F758EC1714}"/>
+              </a:ext>
+            </a:extLst>
+          </p:cNvPr>
+          <p:cNvSpPr>
+            <a:spLocks noGrp="1"/>
+          </p:cNvSpPr>
+          <p:nvPr>
+            <p:ph type="title"/>
+          </p:nvPr>
+        </p:nvSpPr>
+        <p:spPr>
+          <a:xfrm>
+            <a:off x="762001" y="896112"/>
+            <a:ext cx="6589150" cy="1988706"/>
+          </a:xfrm>
+        </p:spPr>
+        <p:txBody>
+          <a:bodyPr anchor="t">
+            <a:normAutofit/>
+          </a:bodyPr>
+          <a:lstStyle/>
+          <a:p>
+            <a:r>
+              <a:rPr lang="en-US" dirty="0"/>
+              <a:t>Module 2</a:t>
+            </a:r>
+            <a:br>
+              <a:rPr lang="en-US" dirty="0"/>
+            </a:br>
+            <a:r>
+              <a:rPr lang="en-US" dirty="0"/>
+              <a:t>DATAFLOW DIAGRAM</a:t>
+            </a:r>
+          </a:p>
+        </p:txBody>
+      </p:sp>
+      <p:sp>
+        <p:nvSpPr>
+          <p:cNvPr id="4" name="Slide Number Placeholder 3">
+            <a:extLst>
+              <a:ext uri="{FF2B5EF4-FFF2-40B4-BE49-F238E27FC236}">
+                <a16:creationId xmlns:a16="http://schemas.microsoft.com/office/drawing/2014/main" id="{329E2946-9268-6B9C-1F66-B4CC49D19518}"/>
+              </a:ext>
+            </a:extLst>
+          </p:cNvPr>
+          <p:cNvSpPr>
+            <a:spLocks noGrp="1"/>
+          </p:cNvSpPr>
+          <p:nvPr>
+            <p:ph type="sldNum" sz="quarter" idx="12"/>
+          </p:nvPr>
+        </p:nvSpPr>
+        <p:spPr>
+          <a:xfrm>
+            <a:off x="11274091" y="6355080"/>
+            <a:ext cx="457200" cy="365125"/>
+          </a:xfrm>
+        </p:spPr>
+        <p:txBody>
+          <a:bodyPr anchor="ctr">
+            <a:normAutofit/>
+          </a:bodyPr>
+          <a:lstStyle/>
+          <a:p>
+            <a:pPr>
+              <a:spcAft>
+                <a:spcPts val="600"/>
+              </a:spcAft>
+            </a:pPr>
+            <a:fld id="{B5CEABB6-07DC-46E8-9B57-56EC44A396E5}" type="slidenum">
+              <a:rPr lang="en-US" smtClean="0"/>
+              <a:pPr>
+                <a:spcAft>
+                  <a:spcPts val="600"/>
+                </a:spcAft>
+              </a:pPr>
+              <a:t>12</a:t>
+            </a:fld>
+            <a:endParaRPr lang="en-US"/>
+          </a:p>
+        </p:txBody>
+      </p:sp>
+      <p:pic>
+        <p:nvPicPr>
+          <p:cNvPr id="6" name="Picture 5" descr="A diagram of a flowchart&#10;&#10;Description automatically generated">
+            <a:extLst>
+              <a:ext uri="{FF2B5EF4-FFF2-40B4-BE49-F238E27FC236}">
+                <a16:creationId xmlns:a16="http://schemas.microsoft.com/office/drawing/2014/main" id="{CDEC12B1-34C5-9E0B-706C-35F6A38B1041}"/>
+              </a:ext>
+            </a:extLst>
+          </p:cNvPr>
+          <p:cNvPicPr>
+            <a:picLocks noChangeAspect="1"/>
+          </p:cNvPicPr>
+          <p:nvPr/>
+        </p:nvPicPr>
+        <p:blipFill>
+          <a:blip r:embed="rId2"/>
+          <a:stretch>
+            <a:fillRect/>
+          </a:stretch>
+        </p:blipFill>
+        <p:spPr>
+          <a:xfrm>
+            <a:off x="1852891" y="2371725"/>
+            <a:ext cx="4709833" cy="3983355"/>
+          </a:xfrm>
+          <a:prstGeom prst="rect">
+            <a:avLst/>
+          </a:prstGeom>
+          <a:noFill/>
+        </p:spPr>
+      </p:pic>
+    </p:spTree>
+    <p:extLst>
+      <p:ext uri="{BB962C8B-B14F-4D97-AF65-F5344CB8AC3E}">
+        <p14:creationId xmlns:p14="http://schemas.microsoft.com/office/powerpoint/2010/main" val="3383834304"/>
+      </p:ext>
+    </p:extLst>
+  </p:cSld>
+  <p:clrMapOvr>
+    <a:masterClrMapping/>
+  </p:clrMapOvr>
+</p:sld>
+</file>
+
+<file path=ppt/slides/slide13.xml><?xml version="1.0" encoding="utf-8"?>
+<p:sld xmlns:a="http://schemas.openxmlformats.org/drawingml/2006/main" xmlns:r="http://schemas.openxmlformats.org/officeDocument/2006/relationships" xmlns:p="http://schemas.openxmlformats.org/presentationml/2006/main">
+  <p:cSld>
+    <p:spTree>
+      <p:nvGrpSpPr>
+        <p:cNvPr id="1" name=""/>
+        <p:cNvGrpSpPr/>
+        <p:nvPr/>
+      </p:nvGrpSpPr>
+      <p:grpSpPr>
+        <a:xfrm>
+          <a:off x="0" y="0"/>
+          <a:ext cx="0" cy="0"/>
+          <a:chOff x="0" y="0"/>
+          <a:chExt cx="0" cy="0"/>
+        </a:xfrm>
+      </p:grpSpPr>
+      <p:sp>
+        <p:nvSpPr>
+          <p:cNvPr id="2" name="Title 1">
+            <a:extLst>
+              <a:ext uri="{FF2B5EF4-FFF2-40B4-BE49-F238E27FC236}">
                 <a16:creationId xmlns:a16="http://schemas.microsoft.com/office/drawing/2014/main" id="{BCCAEE93-8585-46D4-A7EC-F184E317CB2E}"/>
               </a:ext>
             </a:extLst>
@@ -20540,13 +21007,13 @@
           <a:p>
             <a:r>
               <a:rPr lang="en-US" b="1" dirty="0"/>
-              <a:t>         DAO  :  payment-0.0.1-SNAPSHOT.jar</a:t>
+              <a:t>         DAO  :  payment-1.0.0-SNAPSHOT.jar</a:t>
             </a:r>
           </a:p>
           <a:p>
             <a:r>
               <a:rPr lang="en-US" b="1" dirty="0"/>
-              <a:t>         Web Service :  webservice-0.0.1-SNAPSHOT.war</a:t>
+              <a:t>         Web Service :  webservice-1.0.0-SNAPSHOT.war</a:t>
             </a:r>
           </a:p>
           <a:p>
@@ -20579,7 +21046,7 @@
 </p:sld>
 </file>
 
-<file path=ppt/slides/slide11.xml><?xml version="1.0" encoding="utf-8"?>
+<file path=ppt/slides/slide14.xml><?xml version="1.0" encoding="utf-8"?>
 <p:sld xmlns:a="http://schemas.openxmlformats.org/drawingml/2006/main" xmlns:r="http://schemas.openxmlformats.org/officeDocument/2006/relationships" xmlns:p="http://schemas.openxmlformats.org/presentationml/2006/main">
   <p:cSld>
     <p:spTree>
@@ -20653,7 +21120,7 @@
             <a:fld id="{B5CEABB6-07DC-46E8-9B57-56EC44A396E5}" type="slidenum">
               <a:rPr lang="en-US" smtClean="0"/>
               <a:pPr/>
-              <a:t>11</a:t>
+              <a:t>14</a:t>
             </a:fld>
             <a:endParaRPr lang="en-US" dirty="0"/>
           </a:p>
@@ -20743,7 +21210,7 @@
         </p:nvSpPr>
         <p:spPr>
           <a:xfrm>
-            <a:off x="4938713" y="3300413"/>
+            <a:off x="5085670" y="3429000"/>
             <a:ext cx="6338887" cy="2668587"/>
           </a:xfrm>
         </p:spPr>
@@ -21095,6 +21562,163 @@
           <p:cNvPr id="2" name="Title 1">
             <a:extLst>
               <a:ext uri="{FF2B5EF4-FFF2-40B4-BE49-F238E27FC236}">
+                <a16:creationId xmlns:a16="http://schemas.microsoft.com/office/drawing/2014/main" id="{437EB634-F291-20AD-C036-F8F73CE04005}"/>
+              </a:ext>
+            </a:extLst>
+          </p:cNvPr>
+          <p:cNvSpPr>
+            <a:spLocks noGrp="1"/>
+          </p:cNvSpPr>
+          <p:nvPr>
+            <p:ph type="ctrTitle"/>
+          </p:nvPr>
+        </p:nvSpPr>
+        <p:spPr>
+          <a:xfrm>
+            <a:off x="4974771" y="576943"/>
+            <a:ext cx="6449786" cy="915955"/>
+          </a:xfrm>
+        </p:spPr>
+        <p:txBody>
+          <a:bodyPr/>
+          <a:lstStyle/>
+          <a:p>
+            <a:r>
+              <a:rPr lang="en-US" dirty="0" err="1"/>
+              <a:t>OverView</a:t>
+            </a:r>
+            <a:endParaRPr lang="en-US" dirty="0"/>
+          </a:p>
+        </p:txBody>
+      </p:sp>
+      <p:sp>
+        <p:nvSpPr>
+          <p:cNvPr id="3" name="Subtitle 2">
+            <a:extLst>
+              <a:ext uri="{FF2B5EF4-FFF2-40B4-BE49-F238E27FC236}">
+                <a16:creationId xmlns:a16="http://schemas.microsoft.com/office/drawing/2014/main" id="{BA3C05C5-997C-7D40-4967-98311E135D8B}"/>
+              </a:ext>
+            </a:extLst>
+          </p:cNvPr>
+          <p:cNvSpPr>
+            <a:spLocks noGrp="1"/>
+          </p:cNvSpPr>
+          <p:nvPr>
+            <p:ph type="subTitle" idx="1"/>
+          </p:nvPr>
+        </p:nvSpPr>
+        <p:spPr>
+          <a:xfrm>
+            <a:off x="4974771" y="2207359"/>
+            <a:ext cx="6449785" cy="4145488"/>
+          </a:xfrm>
+        </p:spPr>
+        <p:txBody>
+          <a:bodyPr/>
+          <a:lstStyle/>
+          <a:p>
+            <a:pPr marL="457200" indent="-457200">
+              <a:buAutoNum type="arabicPeriod"/>
+            </a:pPr>
+            <a:r>
+              <a:rPr lang="en-US" dirty="0"/>
+              <a:t>Display all payee</a:t>
+            </a:r>
+          </a:p>
+          <a:p>
+            <a:pPr marL="457200" indent="-457200">
+              <a:buAutoNum type="arabicPeriod"/>
+            </a:pPr>
+            <a:r>
+              <a:rPr lang="en-US" dirty="0"/>
+              <a:t>Delete payee</a:t>
+            </a:r>
+          </a:p>
+          <a:p>
+            <a:pPr marL="457200" indent="-457200">
+              <a:buAutoNum type="arabicPeriod"/>
+            </a:pPr>
+            <a:r>
+              <a:rPr lang="en-US" dirty="0"/>
+              <a:t>Add new payee</a:t>
+            </a:r>
+          </a:p>
+          <a:p>
+            <a:pPr marL="457200" indent="-457200">
+              <a:buAutoNum type="arabicPeriod"/>
+            </a:pPr>
+            <a:r>
+              <a:rPr lang="en-US" dirty="0"/>
+              <a:t>Transaction</a:t>
+            </a:r>
+          </a:p>
+        </p:txBody>
+      </p:sp>
+      <p:sp>
+        <p:nvSpPr>
+          <p:cNvPr id="4" name="Slide Number Placeholder 3">
+            <a:extLst>
+              <a:ext uri="{FF2B5EF4-FFF2-40B4-BE49-F238E27FC236}">
+                <a16:creationId xmlns:a16="http://schemas.microsoft.com/office/drawing/2014/main" id="{2F1FD996-262D-89B2-A9DB-46E8F34B4A53}"/>
+              </a:ext>
+            </a:extLst>
+          </p:cNvPr>
+          <p:cNvSpPr>
+            <a:spLocks noGrp="1"/>
+          </p:cNvSpPr>
+          <p:nvPr>
+            <p:ph type="sldNum" sz="quarter" idx="12"/>
+          </p:nvPr>
+        </p:nvSpPr>
+        <p:spPr/>
+        <p:txBody>
+          <a:bodyPr/>
+          <a:lstStyle/>
+          <a:p>
+            <a:fld id="{B5CEABB6-07DC-46E8-9B57-56EC44A396E5}" type="slidenum">
+              <a:rPr lang="en-US" smtClean="0"/>
+              <a:pPr/>
+              <a:t>4</a:t>
+            </a:fld>
+            <a:endParaRPr lang="en-US" dirty="0"/>
+          </a:p>
+        </p:txBody>
+      </p:sp>
+    </p:spTree>
+    <p:extLst>
+      <p:ext uri="{BB962C8B-B14F-4D97-AF65-F5344CB8AC3E}">
+        <p14:creationId xmlns:p14="http://schemas.microsoft.com/office/powerpoint/2010/main" val="123335043"/>
+      </p:ext>
+    </p:extLst>
+  </p:cSld>
+  <p:clrMapOvr>
+    <a:masterClrMapping/>
+  </p:clrMapOvr>
+</p:sld>
+</file>
+
+<file path=ppt/slides/slide5.xml><?xml version="1.0" encoding="utf-8"?>
+<p:sld xmlns:a="http://schemas.openxmlformats.org/drawingml/2006/main" xmlns:r="http://schemas.openxmlformats.org/officeDocument/2006/relationships" xmlns:p="http://schemas.openxmlformats.org/presentationml/2006/main">
+  <p:cSld>
+    <p:spTree>
+      <p:nvGrpSpPr>
+        <p:cNvPr id="1" name=""/>
+        <p:cNvGrpSpPr/>
+        <p:nvPr/>
+      </p:nvGrpSpPr>
+      <p:grpSpPr>
+        <a:xfrm>
+          <a:off x="0" y="0"/>
+          <a:ext cx="0" cy="0"/>
+          <a:chOff x="0" y="0"/>
+          <a:chExt cx="0" cy="0"/>
+        </a:xfrm>
+      </p:grpSpPr>
+      <p:sp>
+        <p:nvSpPr>
+          <p:cNvPr id="2" name="Title 1">
+            <a:extLst>
+              <a:ext uri="{FF2B5EF4-FFF2-40B4-BE49-F238E27FC236}">
                 <a16:creationId xmlns:a16="http://schemas.microsoft.com/office/drawing/2014/main" id="{30ECC437-DEDC-45FB-FDA2-8C4FC1723382}"/>
               </a:ext>
             </a:extLst>
@@ -21244,7 +21868,7 @@
             <a:fld id="{B5CEABB6-07DC-46E8-9B57-56EC44A396E5}" type="slidenum">
               <a:rPr lang="en-US" smtClean="0"/>
               <a:pPr/>
-              <a:t>4</a:t>
+              <a:t>5</a:t>
             </a:fld>
             <a:endParaRPr lang="en-US" dirty="0"/>
           </a:p>
@@ -21263,7 +21887,286 @@
 </p:sld>
 </file>
 
-<file path=ppt/slides/slide5.xml><?xml version="1.0" encoding="utf-8"?>
+<file path=ppt/slides/slide6.xml><?xml version="1.0" encoding="utf-8"?>
+<p:sld xmlns:a="http://schemas.openxmlformats.org/drawingml/2006/main" xmlns:r="http://schemas.openxmlformats.org/officeDocument/2006/relationships" xmlns:p="http://schemas.openxmlformats.org/presentationml/2006/main">
+  <p:cSld>
+    <p:spTree>
+      <p:nvGrpSpPr>
+        <p:cNvPr id="1" name=""/>
+        <p:cNvGrpSpPr/>
+        <p:nvPr/>
+      </p:nvGrpSpPr>
+      <p:grpSpPr>
+        <a:xfrm>
+          <a:off x="0" y="0"/>
+          <a:ext cx="0" cy="0"/>
+          <a:chOff x="0" y="0"/>
+          <a:chExt cx="0" cy="0"/>
+        </a:xfrm>
+      </p:grpSpPr>
+      <p:sp>
+        <p:nvSpPr>
+          <p:cNvPr id="3" name="Subtitle 2">
+            <a:extLst>
+              <a:ext uri="{FF2B5EF4-FFF2-40B4-BE49-F238E27FC236}">
+                <a16:creationId xmlns:a16="http://schemas.microsoft.com/office/drawing/2014/main" id="{8D66EF53-0627-C292-9791-07570C28A011}"/>
+              </a:ext>
+            </a:extLst>
+          </p:cNvPr>
+          <p:cNvSpPr>
+            <a:spLocks noGrp="1"/>
+          </p:cNvSpPr>
+          <p:nvPr>
+            <p:ph type="subTitle" idx="1"/>
+          </p:nvPr>
+        </p:nvSpPr>
+        <p:spPr>
+          <a:xfrm>
+            <a:off x="4301412" y="606491"/>
+            <a:ext cx="7585788" cy="5475078"/>
+          </a:xfrm>
+        </p:spPr>
+        <p:txBody>
+          <a:bodyPr>
+            <a:normAutofit lnSpcReduction="10000"/>
+          </a:bodyPr>
+          <a:lstStyle/>
+          <a:p>
+            <a:pPr algn="just"/>
+            <a:endParaRPr lang="en-US" sz="2000" dirty="0">
+              <a:latin typeface="Times New Roman" panose="02020603050405020304" pitchFamily="18" charset="0"/>
+              <a:cs typeface="Times New Roman" panose="02020603050405020304" pitchFamily="18" charset="0"/>
+            </a:endParaRPr>
+          </a:p>
+          <a:p>
+            <a:pPr algn="just"/>
+            <a:r>
+              <a:rPr lang="en-US" sz="2000" dirty="0">
+                <a:latin typeface="Times New Roman" panose="02020603050405020304" pitchFamily="18" charset="0"/>
+                <a:cs typeface="Times New Roman" panose="02020603050405020304" pitchFamily="18" charset="0"/>
+              </a:rPr>
+              <a:t>Upon Successful login we redirect the user to dashboard, in the navigation bar user can select for viewing the payee details or user can add new payees.</a:t>
+            </a:r>
+          </a:p>
+          <a:p>
+            <a:pPr algn="just"/>
+            <a:r>
+              <a:rPr lang="en-US" sz="2000" dirty="0">
+                <a:latin typeface="Times New Roman" panose="02020603050405020304" pitchFamily="18" charset="0"/>
+                <a:cs typeface="Times New Roman" panose="02020603050405020304" pitchFamily="18" charset="0"/>
+              </a:rPr>
+              <a:t>On selecting view all payees we provide drop down to users which has account number related to the logged in user. We provide a drop down to select the account number for which user want to view payee.  </a:t>
+            </a:r>
+          </a:p>
+          <a:p>
+            <a:pPr algn="just"/>
+            <a:r>
+              <a:rPr lang="en-US" sz="2000" dirty="0">
+                <a:latin typeface="Times New Roman" panose="02020603050405020304" pitchFamily="18" charset="0"/>
+                <a:cs typeface="Times New Roman" panose="02020603050405020304" pitchFamily="18" charset="0"/>
+              </a:rPr>
+              <a:t>After selecting account number we display payee details in cards, each card has two buttons one to do transaction and another to delete the payee.</a:t>
+            </a:r>
+          </a:p>
+          <a:p>
+            <a:r>
+              <a:rPr lang="en-US" sz="1800" dirty="0">
+                <a:latin typeface="Times New Roman" panose="02020603050405020304" pitchFamily="18" charset="0"/>
+                <a:cs typeface="Times New Roman" panose="02020603050405020304" pitchFamily="18" charset="0"/>
+              </a:rPr>
+              <a:t> </a:t>
+            </a:r>
+          </a:p>
+        </p:txBody>
+      </p:sp>
+      <p:sp>
+        <p:nvSpPr>
+          <p:cNvPr id="4" name="Picture Placeholder 3">
+            <a:extLst>
+              <a:ext uri="{FF2B5EF4-FFF2-40B4-BE49-F238E27FC236}">
+                <a16:creationId xmlns:a16="http://schemas.microsoft.com/office/drawing/2014/main" id="{3A06AB78-6643-C578-7629-B6831B508645}"/>
+              </a:ext>
+            </a:extLst>
+          </p:cNvPr>
+          <p:cNvSpPr>
+            <a:spLocks noGrp="1"/>
+          </p:cNvSpPr>
+          <p:nvPr>
+            <p:ph type="pic" sz="quarter" idx="13"/>
+          </p:nvPr>
+        </p:nvSpPr>
+        <p:spPr/>
+        <p:txBody>
+          <a:bodyPr/>
+          <a:lstStyle/>
+          <a:p>
+            <a:endParaRPr lang="en-US" dirty="0"/>
+          </a:p>
+          <a:p>
+            <a:endParaRPr lang="en-US" dirty="0"/>
+          </a:p>
+          <a:p>
+            <a:endParaRPr lang="en-US" dirty="0"/>
+          </a:p>
+          <a:p>
+            <a:r>
+              <a:rPr lang="en-US" sz="3600" b="1" dirty="0">
+                <a:latin typeface="Times New Roman" panose="02020603050405020304" pitchFamily="18" charset="0"/>
+                <a:cs typeface="Times New Roman" panose="02020603050405020304" pitchFamily="18" charset="0"/>
+              </a:rPr>
+              <a:t>VIEW ALL PAYEES</a:t>
+            </a:r>
+          </a:p>
+        </p:txBody>
+      </p:sp>
+    </p:spTree>
+    <p:extLst>
+      <p:ext uri="{BB962C8B-B14F-4D97-AF65-F5344CB8AC3E}">
+        <p14:creationId xmlns:p14="http://schemas.microsoft.com/office/powerpoint/2010/main" val="2359384491"/>
+      </p:ext>
+    </p:extLst>
+  </p:cSld>
+  <p:clrMapOvr>
+    <a:masterClrMapping/>
+  </p:clrMapOvr>
+</p:sld>
+</file>
+
+<file path=ppt/slides/slide7.xml><?xml version="1.0" encoding="utf-8"?>
+<p:sld xmlns:a="http://schemas.openxmlformats.org/drawingml/2006/main" xmlns:r="http://schemas.openxmlformats.org/officeDocument/2006/relationships" xmlns:p="http://schemas.openxmlformats.org/presentationml/2006/main">
+  <p:cSld>
+    <p:spTree>
+      <p:nvGrpSpPr>
+        <p:cNvPr id="1" name=""/>
+        <p:cNvGrpSpPr/>
+        <p:nvPr/>
+      </p:nvGrpSpPr>
+      <p:grpSpPr>
+        <a:xfrm>
+          <a:off x="0" y="0"/>
+          <a:ext cx="0" cy="0"/>
+          <a:chOff x="0" y="0"/>
+          <a:chExt cx="0" cy="0"/>
+        </a:xfrm>
+      </p:grpSpPr>
+      <p:sp>
+        <p:nvSpPr>
+          <p:cNvPr id="2" name="Title 1">
+            <a:extLst>
+              <a:ext uri="{FF2B5EF4-FFF2-40B4-BE49-F238E27FC236}">
+                <a16:creationId xmlns:a16="http://schemas.microsoft.com/office/drawing/2014/main" id="{87AC6607-2CCC-6BA9-1B9B-89C853D6F3BC}"/>
+              </a:ext>
+            </a:extLst>
+          </p:cNvPr>
+          <p:cNvSpPr>
+            <a:spLocks noGrp="1"/>
+          </p:cNvSpPr>
+          <p:nvPr>
+            <p:ph type="title"/>
+          </p:nvPr>
+        </p:nvSpPr>
+        <p:spPr>
+          <a:xfrm>
+            <a:off x="4938712" y="289502"/>
+            <a:ext cx="5614210" cy="764857"/>
+          </a:xfrm>
+        </p:spPr>
+        <p:txBody>
+          <a:bodyPr>
+            <a:normAutofit/>
+          </a:bodyPr>
+          <a:lstStyle/>
+          <a:p>
+            <a:r>
+              <a:rPr lang="en-US" dirty="0"/>
+              <a:t>Delete </a:t>
+            </a:r>
+            <a:r>
+              <a:rPr lang="en-US" dirty="0" err="1"/>
+              <a:t>PayeE</a:t>
+            </a:r>
+            <a:endParaRPr lang="en-US" dirty="0"/>
+          </a:p>
+        </p:txBody>
+      </p:sp>
+      <p:sp>
+        <p:nvSpPr>
+          <p:cNvPr id="3" name="Content Placeholder 2">
+            <a:extLst>
+              <a:ext uri="{FF2B5EF4-FFF2-40B4-BE49-F238E27FC236}">
+                <a16:creationId xmlns:a16="http://schemas.microsoft.com/office/drawing/2014/main" id="{312D773B-CC0A-7CDD-D43E-290465345E7E}"/>
+              </a:ext>
+            </a:extLst>
+          </p:cNvPr>
+          <p:cNvSpPr>
+            <a:spLocks noGrp="1"/>
+          </p:cNvSpPr>
+          <p:nvPr>
+            <p:ph sz="half" idx="14"/>
+          </p:nvPr>
+        </p:nvSpPr>
+        <p:spPr>
+          <a:xfrm>
+            <a:off x="4770760" y="1359186"/>
+            <a:ext cx="6873843" cy="5069606"/>
+          </a:xfrm>
+        </p:spPr>
+        <p:txBody>
+          <a:bodyPr/>
+          <a:lstStyle/>
+          <a:p>
+            <a:pPr algn="just"/>
+            <a:r>
+              <a:rPr lang="en-US" dirty="0"/>
+              <a:t>On clicking on the delete button in displayed cards the selected payee is deleted with the confirmation button. </a:t>
+            </a:r>
+          </a:p>
+        </p:txBody>
+      </p:sp>
+      <p:sp>
+        <p:nvSpPr>
+          <p:cNvPr id="4" name="Slide Number Placeholder 3">
+            <a:extLst>
+              <a:ext uri="{FF2B5EF4-FFF2-40B4-BE49-F238E27FC236}">
+                <a16:creationId xmlns:a16="http://schemas.microsoft.com/office/drawing/2014/main" id="{4895560A-0530-BCE7-8A55-05BB7DE2525F}"/>
+              </a:ext>
+            </a:extLst>
+          </p:cNvPr>
+          <p:cNvSpPr>
+            <a:spLocks noGrp="1"/>
+          </p:cNvSpPr>
+          <p:nvPr>
+            <p:ph type="sldNum" sz="quarter" idx="12"/>
+          </p:nvPr>
+        </p:nvSpPr>
+        <p:spPr/>
+        <p:txBody>
+          <a:bodyPr/>
+          <a:lstStyle/>
+          <a:p>
+            <a:fld id="{B5CEABB6-07DC-46E8-9B57-56EC44A396E5}" type="slidenum">
+              <a:rPr lang="en-US" smtClean="0"/>
+              <a:pPr/>
+              <a:t>7</a:t>
+            </a:fld>
+            <a:endParaRPr lang="en-US" dirty="0"/>
+          </a:p>
+        </p:txBody>
+      </p:sp>
+    </p:spTree>
+    <p:extLst>
+      <p:ext uri="{BB962C8B-B14F-4D97-AF65-F5344CB8AC3E}">
+        <p14:creationId xmlns:p14="http://schemas.microsoft.com/office/powerpoint/2010/main" val="436654049"/>
+      </p:ext>
+    </p:extLst>
+  </p:cSld>
+  <p:clrMapOvr>
+    <a:masterClrMapping/>
+  </p:clrMapOvr>
+</p:sld>
+</file>
+
+<file path=ppt/slides/slide8.xml><?xml version="1.0" encoding="utf-8"?>
 <p:sld xmlns:a="http://schemas.openxmlformats.org/drawingml/2006/main" xmlns:r="http://schemas.openxmlformats.org/officeDocument/2006/relationships" xmlns:p="http://schemas.openxmlformats.org/presentationml/2006/main">
   <p:cSld>
     <p:spTree>
@@ -21339,7 +22242,7 @@
             <a:fld id="{B5CEABB6-07DC-46E8-9B57-56EC44A396E5}" type="slidenum">
               <a:rPr lang="en-US" smtClean="0"/>
               <a:pPr/>
-              <a:t>5</a:t>
+              <a:t>8</a:t>
             </a:fld>
             <a:endParaRPr lang="en-US" dirty="0"/>
           </a:p>
@@ -21347,19 +22250,17 @@
       </p:sp>
       <p:pic>
         <p:nvPicPr>
-          <p:cNvPr id="7" name="Content Placeholder 6" descr="A diagram of a software development process&#10;&#10;Description automatically generated">
+          <p:cNvPr id="12" name="Picture 11" descr="A diagram of a software development process&#10;&#10;Description automatically generated">
             <a:extLst>
               <a:ext uri="{FF2B5EF4-FFF2-40B4-BE49-F238E27FC236}">
-                <a16:creationId xmlns:a16="http://schemas.microsoft.com/office/drawing/2014/main" id="{3D9AB322-23A0-19D8-34EA-9E3D832247B2}"/>
+                <a16:creationId xmlns:a16="http://schemas.microsoft.com/office/drawing/2014/main" id="{89DE2ADF-7ADD-2DFB-308D-6A8F389B9587}"/>
               </a:ext>
             </a:extLst>
           </p:cNvPr>
           <p:cNvPicPr>
-            <a:picLocks noGrp="1" noChangeAspect="1"/>
+            <a:picLocks noChangeAspect="1"/>
           </p:cNvPicPr>
-          <p:nvPr>
-            <p:ph sz="half" idx="14"/>
-          </p:nvPr>
+          <p:nvPr/>
         </p:nvPicPr>
         <p:blipFill>
           <a:blip r:embed="rId2"/>
@@ -21369,9 +22270,12 @@
         </p:blipFill>
         <p:spPr>
           <a:xfrm>
-            <a:off x="4610100" y="1402080"/>
-            <a:ext cx="6880860" cy="4566921"/>
+            <a:off x="4366532" y="1737049"/>
+            <a:ext cx="7194097" cy="4253204"/>
           </a:xfrm>
+          <a:prstGeom prst="rect">
+            <a:avLst/>
+          </a:prstGeom>
         </p:spPr>
       </p:pic>
     </p:spTree>
@@ -21387,7 +22291,7 @@
 </p:sld>
 </file>
 
-<file path=ppt/slides/slide6.xml><?xml version="1.0" encoding="utf-8"?>
+<file path=ppt/slides/slide9.xml><?xml version="1.0" encoding="utf-8"?>
 <p:sld xmlns:a="http://schemas.openxmlformats.org/drawingml/2006/main" xmlns:r="http://schemas.openxmlformats.org/officeDocument/2006/relationships" xmlns:p="http://schemas.openxmlformats.org/presentationml/2006/main">
   <p:cSld>
     <p:spTree>
@@ -21461,7 +22365,7 @@
             <a:fld id="{B5CEABB6-07DC-46E8-9B57-56EC44A396E5}" type="slidenum">
               <a:rPr lang="en-US" smtClean="0"/>
               <a:pPr/>
-              <a:t>6</a:t>
+              <a:t>9</a:t>
             </a:fld>
             <a:endParaRPr lang="en-US" dirty="0"/>
           </a:p>
@@ -21500,470 +22404,6 @@
     <p:extLst>
       <p:ext uri="{BB962C8B-B14F-4D97-AF65-F5344CB8AC3E}">
         <p14:creationId xmlns:p14="http://schemas.microsoft.com/office/powerpoint/2010/main" val="4151694508"/>
-      </p:ext>
-    </p:extLst>
-  </p:cSld>
-  <p:clrMapOvr>
-    <a:masterClrMapping/>
-  </p:clrMapOvr>
-</p:sld>
-</file>
-
-<file path=ppt/slides/slide7.xml><?xml version="1.0" encoding="utf-8"?>
-<p:sld xmlns:a="http://schemas.openxmlformats.org/drawingml/2006/main" xmlns:r="http://schemas.openxmlformats.org/officeDocument/2006/relationships" xmlns:p="http://schemas.openxmlformats.org/presentationml/2006/main">
-  <p:cSld>
-    <p:spTree>
-      <p:nvGrpSpPr>
-        <p:cNvPr id="1" name=""/>
-        <p:cNvGrpSpPr/>
-        <p:nvPr/>
-      </p:nvGrpSpPr>
-      <p:grpSpPr>
-        <a:xfrm>
-          <a:off x="0" y="0"/>
-          <a:ext cx="0" cy="0"/>
-          <a:chOff x="0" y="0"/>
-          <a:chExt cx="0" cy="0"/>
-        </a:xfrm>
-      </p:grpSpPr>
-      <p:sp>
-        <p:nvSpPr>
-          <p:cNvPr id="2" name="Title 1">
-            <a:extLst>
-              <a:ext uri="{FF2B5EF4-FFF2-40B4-BE49-F238E27FC236}">
-                <a16:creationId xmlns:a16="http://schemas.microsoft.com/office/drawing/2014/main" id="{CC80C883-7528-F9C5-D6FA-15EC059A3021}"/>
-              </a:ext>
-            </a:extLst>
-          </p:cNvPr>
-          <p:cNvSpPr>
-            <a:spLocks noGrp="1"/>
-          </p:cNvSpPr>
-          <p:nvPr>
-            <p:ph type="title"/>
-          </p:nvPr>
-        </p:nvSpPr>
-        <p:spPr>
-          <a:xfrm>
-            <a:off x="757375" y="386145"/>
-            <a:ext cx="10668000" cy="751713"/>
-          </a:xfrm>
-        </p:spPr>
-        <p:txBody>
-          <a:bodyPr/>
-          <a:lstStyle/>
-          <a:p>
-            <a:r>
-              <a:rPr lang="en-US" dirty="0"/>
-              <a:t>DATAFLOW DIAGRAM​</a:t>
-            </a:r>
-          </a:p>
-        </p:txBody>
-      </p:sp>
-      <p:sp>
-        <p:nvSpPr>
-          <p:cNvPr id="3" name="Slide Number Placeholder 2">
-            <a:extLst>
-              <a:ext uri="{FF2B5EF4-FFF2-40B4-BE49-F238E27FC236}">
-                <a16:creationId xmlns:a16="http://schemas.microsoft.com/office/drawing/2014/main" id="{8D3FE259-B742-148B-88EA-EAE84226FE5A}"/>
-              </a:ext>
-            </a:extLst>
-          </p:cNvPr>
-          <p:cNvSpPr>
-            <a:spLocks noGrp="1"/>
-          </p:cNvSpPr>
-          <p:nvPr>
-            <p:ph type="sldNum" sz="quarter" idx="12"/>
-          </p:nvPr>
-        </p:nvSpPr>
-        <p:spPr/>
-        <p:txBody>
-          <a:bodyPr/>
-          <a:lstStyle/>
-          <a:p>
-            <a:fld id="{B5CEABB6-07DC-46E8-9B57-56EC44A396E5}" type="slidenum">
-              <a:rPr lang="en-US" smtClean="0"/>
-              <a:pPr/>
-              <a:t>7</a:t>
-            </a:fld>
-            <a:endParaRPr lang="en-US" dirty="0"/>
-          </a:p>
-        </p:txBody>
-      </p:sp>
-      <p:pic>
-        <p:nvPicPr>
-          <p:cNvPr id="11" name="Picture 10" descr="A diagram of a number">
-            <a:extLst>
-              <a:ext uri="{FF2B5EF4-FFF2-40B4-BE49-F238E27FC236}">
-                <a16:creationId xmlns:a16="http://schemas.microsoft.com/office/drawing/2014/main" id="{6D8D168F-2AA1-A1B8-EA89-9B9567C65D73}"/>
-              </a:ext>
-            </a:extLst>
-          </p:cNvPr>
-          <p:cNvPicPr>
-            <a:picLocks noChangeAspect="1"/>
-          </p:cNvPicPr>
-          <p:nvPr/>
-        </p:nvPicPr>
-        <p:blipFill>
-          <a:blip r:embed="rId3"/>
-          <a:stretch>
-            <a:fillRect/>
-          </a:stretch>
-        </p:blipFill>
-        <p:spPr>
-          <a:xfrm>
-            <a:off x="3019425" y="1599216"/>
-            <a:ext cx="5286375" cy="4582509"/>
-          </a:xfrm>
-          <a:prstGeom prst="rect">
-            <a:avLst/>
-          </a:prstGeom>
-        </p:spPr>
-      </p:pic>
-    </p:spTree>
-    <p:extLst>
-      <p:ext uri="{BB962C8B-B14F-4D97-AF65-F5344CB8AC3E}">
-        <p14:creationId xmlns:p14="http://schemas.microsoft.com/office/powerpoint/2010/main" val="2390678392"/>
-      </p:ext>
-    </p:extLst>
-  </p:cSld>
-  <p:clrMapOvr>
-    <a:masterClrMapping/>
-  </p:clrMapOvr>
-</p:sld>
-</file>
-
-<file path=ppt/slides/slide8.xml><?xml version="1.0" encoding="utf-8"?>
-<p:sld xmlns:a="http://schemas.openxmlformats.org/drawingml/2006/main" xmlns:r="http://schemas.openxmlformats.org/officeDocument/2006/relationships" xmlns:p="http://schemas.openxmlformats.org/presentationml/2006/main">
-  <p:cSld>
-    <p:spTree>
-      <p:nvGrpSpPr>
-        <p:cNvPr id="1" name=""/>
-        <p:cNvGrpSpPr/>
-        <p:nvPr/>
-      </p:nvGrpSpPr>
-      <p:grpSpPr>
-        <a:xfrm>
-          <a:off x="0" y="0"/>
-          <a:ext cx="0" cy="0"/>
-          <a:chOff x="0" y="0"/>
-          <a:chExt cx="0" cy="0"/>
-        </a:xfrm>
-      </p:grpSpPr>
-      <p:sp>
-        <p:nvSpPr>
-          <p:cNvPr id="2" name="Title 1">
-            <a:extLst>
-              <a:ext uri="{FF2B5EF4-FFF2-40B4-BE49-F238E27FC236}">
-                <a16:creationId xmlns:a16="http://schemas.microsoft.com/office/drawing/2014/main" id="{86C9AF16-2871-934C-D853-B12228F70869}"/>
-              </a:ext>
-            </a:extLst>
-          </p:cNvPr>
-          <p:cNvSpPr>
-            <a:spLocks noGrp="1"/>
-          </p:cNvSpPr>
-          <p:nvPr>
-            <p:ph type="title"/>
-          </p:nvPr>
-        </p:nvSpPr>
-        <p:spPr>
-          <a:xfrm>
-            <a:off x="4933950" y="429461"/>
-            <a:ext cx="6343650" cy="2668463"/>
-          </a:xfrm>
-        </p:spPr>
-        <p:txBody>
-          <a:bodyPr anchor="b">
-            <a:normAutofit/>
-          </a:bodyPr>
-          <a:lstStyle/>
-          <a:p>
-            <a:r>
-              <a:rPr lang="en-US" dirty="0"/>
-              <a:t>Second Module</a:t>
-            </a:r>
-            <a:br>
-              <a:rPr lang="en-US" dirty="0"/>
-            </a:br>
-            <a:r>
-              <a:rPr lang="en-US" dirty="0"/>
-              <a:t>(DELETE PAYEE)</a:t>
-            </a:r>
-          </a:p>
-        </p:txBody>
-      </p:sp>
-      <p:sp>
-        <p:nvSpPr>
-          <p:cNvPr id="15" name="Content Placeholder 3">
-            <a:extLst>
-              <a:ext uri="{FF2B5EF4-FFF2-40B4-BE49-F238E27FC236}">
-                <a16:creationId xmlns:a16="http://schemas.microsoft.com/office/drawing/2014/main" id="{14EE8218-EDD5-E0EE-488A-DEE487A8B985}"/>
-              </a:ext>
-            </a:extLst>
-          </p:cNvPr>
-          <p:cNvSpPr>
-            <a:spLocks noGrp="1"/>
-          </p:cNvSpPr>
-          <p:nvPr>
-            <p:ph sz="half" idx="14"/>
-          </p:nvPr>
-        </p:nvSpPr>
-        <p:spPr>
-          <a:xfrm>
-            <a:off x="4938712" y="3299953"/>
-            <a:ext cx="6338888" cy="2668463"/>
-          </a:xfrm>
-        </p:spPr>
-        <p:txBody>
-          <a:bodyPr>
-            <a:normAutofit/>
-          </a:bodyPr>
-          <a:lstStyle/>
-          <a:p>
-            <a:pPr marL="0" indent="0">
-              <a:lnSpc>
-                <a:spcPct val="140000"/>
-              </a:lnSpc>
-              <a:spcAft>
-                <a:spcPts val="600"/>
-              </a:spcAft>
-              <a:buNone/>
-            </a:pPr>
-            <a:r>
-              <a:rPr lang="en-US" sz="2000"/>
-              <a:t>Entering the payee details which includes payee id, payee account number, sender account number and payee name.</a:t>
-            </a:r>
-          </a:p>
-          <a:p>
-            <a:pPr marL="0" indent="0">
-              <a:lnSpc>
-                <a:spcPct val="140000"/>
-              </a:lnSpc>
-              <a:spcAft>
-                <a:spcPts val="600"/>
-              </a:spcAft>
-              <a:buNone/>
-            </a:pPr>
-            <a:r>
-              <a:rPr lang="en-US" sz="2000"/>
-              <a:t>If the payee exists then delete payee.</a:t>
-            </a:r>
-          </a:p>
-          <a:p>
-            <a:pPr marL="0" indent="0">
-              <a:lnSpc>
-                <a:spcPct val="140000"/>
-              </a:lnSpc>
-              <a:spcAft>
-                <a:spcPts val="600"/>
-              </a:spcAft>
-              <a:buNone/>
-            </a:pPr>
-            <a:r>
-              <a:rPr lang="en-US" sz="2000"/>
-              <a:t>If payee not exists it display an appropriate message</a:t>
-            </a:r>
-          </a:p>
-        </p:txBody>
-      </p:sp>
-      <p:sp>
-        <p:nvSpPr>
-          <p:cNvPr id="5" name="Slide Number Placeholder 4">
-            <a:extLst>
-              <a:ext uri="{FF2B5EF4-FFF2-40B4-BE49-F238E27FC236}">
-                <a16:creationId xmlns:a16="http://schemas.microsoft.com/office/drawing/2014/main" id="{F2B3E39B-317E-D076-D35A-0C199E7E4A92}"/>
-              </a:ext>
-            </a:extLst>
-          </p:cNvPr>
-          <p:cNvSpPr>
-            <a:spLocks noGrp="1"/>
-          </p:cNvSpPr>
-          <p:nvPr>
-            <p:ph type="sldNum" sz="quarter" idx="12"/>
-          </p:nvPr>
-        </p:nvSpPr>
-        <p:spPr>
-          <a:xfrm>
-            <a:off x="10967357" y="6356350"/>
-            <a:ext cx="457200" cy="365125"/>
-          </a:xfrm>
-        </p:spPr>
-        <p:txBody>
-          <a:bodyPr anchor="ctr">
-            <a:normAutofit/>
-          </a:bodyPr>
-          <a:lstStyle/>
-          <a:p>
-            <a:pPr>
-              <a:spcAft>
-                <a:spcPts val="600"/>
-              </a:spcAft>
-            </a:pPr>
-            <a:fld id="{B5CEABB6-07DC-46E8-9B57-56EC44A396E5}" type="slidenum">
-              <a:rPr lang="en-US" smtClean="0"/>
-              <a:pPr>
-                <a:spcAft>
-                  <a:spcPts val="600"/>
-                </a:spcAft>
-              </a:pPr>
-              <a:t>8</a:t>
-            </a:fld>
-            <a:endParaRPr lang="en-US"/>
-          </a:p>
-        </p:txBody>
-      </p:sp>
-    </p:spTree>
-    <p:extLst>
-      <p:ext uri="{BB962C8B-B14F-4D97-AF65-F5344CB8AC3E}">
-        <p14:creationId xmlns:p14="http://schemas.microsoft.com/office/powerpoint/2010/main" val="19314500"/>
-      </p:ext>
-    </p:extLst>
-  </p:cSld>
-  <p:clrMapOvr>
-    <a:masterClrMapping/>
-  </p:clrMapOvr>
-</p:sld>
-</file>
-
-<file path=ppt/slides/slide9.xml><?xml version="1.0" encoding="utf-8"?>
-<p:sld xmlns:a="http://schemas.openxmlformats.org/drawingml/2006/main" xmlns:r="http://schemas.openxmlformats.org/officeDocument/2006/relationships" xmlns:p="http://schemas.openxmlformats.org/presentationml/2006/main">
-  <p:cSld>
-    <p:spTree>
-      <p:nvGrpSpPr>
-        <p:cNvPr id="1" name=""/>
-        <p:cNvGrpSpPr/>
-        <p:nvPr/>
-      </p:nvGrpSpPr>
-      <p:grpSpPr>
-        <a:xfrm>
-          <a:off x="0" y="0"/>
-          <a:ext cx="0" cy="0"/>
-          <a:chOff x="0" y="0"/>
-          <a:chExt cx="0" cy="0"/>
-        </a:xfrm>
-      </p:grpSpPr>
-      <p:sp>
-        <p:nvSpPr>
-          <p:cNvPr id="2" name="Title 1">
-            <a:extLst>
-              <a:ext uri="{FF2B5EF4-FFF2-40B4-BE49-F238E27FC236}">
-                <a16:creationId xmlns:a16="http://schemas.microsoft.com/office/drawing/2014/main" id="{DCA6883A-9455-E2AE-EFC9-F3F758EC1714}"/>
-              </a:ext>
-            </a:extLst>
-          </p:cNvPr>
-          <p:cNvSpPr>
-            <a:spLocks noGrp="1"/>
-          </p:cNvSpPr>
-          <p:nvPr>
-            <p:ph type="title"/>
-          </p:nvPr>
-        </p:nvSpPr>
-        <p:spPr>
-          <a:xfrm>
-            <a:off x="762001" y="896112"/>
-            <a:ext cx="6589150" cy="1988706"/>
-          </a:xfrm>
-        </p:spPr>
-        <p:txBody>
-          <a:bodyPr anchor="t">
-            <a:normAutofit/>
-          </a:bodyPr>
-          <a:lstStyle/>
-          <a:p>
-            <a:r>
-              <a:rPr lang="en-US" dirty="0"/>
-              <a:t>Module 2</a:t>
-            </a:r>
-            <a:br>
-              <a:rPr lang="en-US" dirty="0"/>
-            </a:br>
-            <a:r>
-              <a:rPr lang="en-US" dirty="0"/>
-              <a:t>DATAFLOW DIAGRAM</a:t>
-            </a:r>
-          </a:p>
-        </p:txBody>
-      </p:sp>
-      <p:sp>
-        <p:nvSpPr>
-          <p:cNvPr id="4" name="Slide Number Placeholder 3">
-            <a:extLst>
-              <a:ext uri="{FF2B5EF4-FFF2-40B4-BE49-F238E27FC236}">
-                <a16:creationId xmlns:a16="http://schemas.microsoft.com/office/drawing/2014/main" id="{329E2946-9268-6B9C-1F66-B4CC49D19518}"/>
-              </a:ext>
-            </a:extLst>
-          </p:cNvPr>
-          <p:cNvSpPr>
-            <a:spLocks noGrp="1"/>
-          </p:cNvSpPr>
-          <p:nvPr>
-            <p:ph type="sldNum" sz="quarter" idx="12"/>
-          </p:nvPr>
-        </p:nvSpPr>
-        <p:spPr>
-          <a:xfrm>
-            <a:off x="11274091" y="6355080"/>
-            <a:ext cx="457200" cy="365125"/>
-          </a:xfrm>
-        </p:spPr>
-        <p:txBody>
-          <a:bodyPr anchor="ctr">
-            <a:normAutofit/>
-          </a:bodyPr>
-          <a:lstStyle/>
-          <a:p>
-            <a:pPr>
-              <a:spcAft>
-                <a:spcPts val="600"/>
-              </a:spcAft>
-            </a:pPr>
-            <a:fld id="{B5CEABB6-07DC-46E8-9B57-56EC44A396E5}" type="slidenum">
-              <a:rPr lang="en-US" smtClean="0"/>
-              <a:pPr>
-                <a:spcAft>
-                  <a:spcPts val="600"/>
-                </a:spcAft>
-              </a:pPr>
-              <a:t>9</a:t>
-            </a:fld>
-            <a:endParaRPr lang="en-US"/>
-          </a:p>
-        </p:txBody>
-      </p:sp>
-      <p:pic>
-        <p:nvPicPr>
-          <p:cNvPr id="6" name="Picture 5" descr="A diagram of a flowchart&#10;&#10;Description automatically generated">
-            <a:extLst>
-              <a:ext uri="{FF2B5EF4-FFF2-40B4-BE49-F238E27FC236}">
-                <a16:creationId xmlns:a16="http://schemas.microsoft.com/office/drawing/2014/main" id="{CDEC12B1-34C5-9E0B-706C-35F6A38B1041}"/>
-              </a:ext>
-            </a:extLst>
-          </p:cNvPr>
-          <p:cNvPicPr>
-            <a:picLocks noChangeAspect="1"/>
-          </p:cNvPicPr>
-          <p:nvPr/>
-        </p:nvPicPr>
-        <p:blipFill>
-          <a:blip r:embed="rId2"/>
-          <a:stretch>
-            <a:fillRect/>
-          </a:stretch>
-        </p:blipFill>
-        <p:spPr>
-          <a:xfrm>
-            <a:off x="1852891" y="2371725"/>
-            <a:ext cx="4709833" cy="3983355"/>
-          </a:xfrm>
-          <a:prstGeom prst="rect">
-            <a:avLst/>
-          </a:prstGeom>
-          <a:noFill/>
-        </p:spPr>
-      </p:pic>
-    </p:spTree>
-    <p:extLst>
-      <p:ext uri="{BB962C8B-B14F-4D97-AF65-F5344CB8AC3E}">
-        <p14:creationId xmlns:p14="http://schemas.microsoft.com/office/powerpoint/2010/main" val="3383834304"/>
       </p:ext>
     </p:extLst>
   </p:cSld>
@@ -22765,15 +23205,6 @@
 </file>
 
 <file path=customXml/item1.xml><?xml version="1.0" encoding="utf-8"?>
-<?mso-contentType ?>
-<FormTemplates xmlns="http://schemas.microsoft.com/sharepoint/v3/contenttype/forms">
-  <Display>DocumentLibraryForm</Display>
-  <Edit>DocumentLibraryForm</Edit>
-  <New>DocumentLibraryForm</New>
-</FormTemplates>
-</file>
-
-<file path=customXml/item2.xml><?xml version="1.0" encoding="utf-8"?>
 <p:properties xmlns:p="http://schemas.microsoft.com/office/2006/metadata/properties" xmlns:xsi="http://www.w3.org/2001/XMLSchema-instance" xmlns:pc="http://schemas.microsoft.com/office/infopath/2007/PartnerControls">
   <documentManagement>
     <Background xmlns="71af3243-3dd4-4a8d-8c0d-dd76da1f02a5">false</Background>
@@ -22791,6 +23222,15 @@
     <MediaServiceKeyPoints xmlns="71af3243-3dd4-4a8d-8c0d-dd76da1f02a5" xsi:nil="true"/>
   </documentManagement>
 </p:properties>
+</file>
+
+<file path=customXml/item2.xml><?xml version="1.0" encoding="utf-8"?>
+<?mso-contentType ?>
+<FormTemplates xmlns="http://schemas.microsoft.com/sharepoint/v3/contenttype/forms">
+  <Display>DocumentLibraryForm</Display>
+  <Edit>DocumentLibraryForm</Edit>
+  <New>DocumentLibraryForm</New>
+</FormTemplates>
 </file>
 
 <file path=customXml/item3.xml><?xml version="1.0" encoding="utf-8"?>
@@ -23106,14 +23546,6 @@
 </file>
 
 <file path=customXml/itemProps1.xml><?xml version="1.0" encoding="utf-8"?>
-<ds:datastoreItem xmlns:ds="http://schemas.openxmlformats.org/officeDocument/2006/customXml" ds:itemID="{8451406B-581B-4C29-A833-E33D8A6AB075}">
-  <ds:schemaRefs>
-    <ds:schemaRef ds:uri="http://schemas.microsoft.com/sharepoint/v3/contenttype/forms"/>
-  </ds:schemaRefs>
-</ds:datastoreItem>
-</file>
-
-<file path=customXml/itemProps2.xml><?xml version="1.0" encoding="utf-8"?>
 <ds:datastoreItem xmlns:ds="http://schemas.openxmlformats.org/officeDocument/2006/customXml" ds:itemID="{0F65614A-92F9-4391-AC3D-F3F5B0704F99}">
   <ds:schemaRefs>
     <ds:schemaRef ds:uri="http://schemas.microsoft.com/office/2006/metadata/properties"/>
@@ -23121,6 +23553,14 @@
     <ds:schemaRef ds:uri="71af3243-3dd4-4a8d-8c0d-dd76da1f02a5"/>
     <ds:schemaRef ds:uri="http://schemas.microsoft.com/sharepoint/v3"/>
     <ds:schemaRef ds:uri="230e9df3-be65-4c73-a93b-d1236ebd677e"/>
+  </ds:schemaRefs>
+</ds:datastoreItem>
+</file>
+
+<file path=customXml/itemProps2.xml><?xml version="1.0" encoding="utf-8"?>
+<ds:datastoreItem xmlns:ds="http://schemas.openxmlformats.org/officeDocument/2006/customXml" ds:itemID="{8451406B-581B-4C29-A833-E33D8A6AB075}">
+  <ds:schemaRefs>
+    <ds:schemaRef ds:uri="http://schemas.microsoft.com/sharepoint/v3/contenttype/forms"/>
   </ds:schemaRefs>
 </ds:datastoreItem>
 </file>
